--- a/04. GitLab - tutorial - Version Control Exercise - GitLab.pptx
+++ b/04. GitLab - tutorial - Version Control Exercise - GitLab.pptx
@@ -5,7 +5,7 @@
     <p:sldMasterId id="2147483648" r:id="rId1"/>
   </p:sldMasterIdLst>
   <p:notesMasterIdLst>
-    <p:notesMasterId r:id="rId19"/>
+    <p:notesMasterId r:id="rId30"/>
   </p:notesMasterIdLst>
   <p:sldIdLst>
     <p:sldId id="310" r:id="rId2"/>
@@ -13,18 +13,29 @@
     <p:sldId id="322" r:id="rId4"/>
     <p:sldId id="324" r:id="rId5"/>
     <p:sldId id="325" r:id="rId6"/>
-    <p:sldId id="312" r:id="rId7"/>
-    <p:sldId id="313" r:id="rId8"/>
-    <p:sldId id="314" r:id="rId9"/>
-    <p:sldId id="315" r:id="rId10"/>
-    <p:sldId id="316" r:id="rId11"/>
-    <p:sldId id="317" r:id="rId12"/>
-    <p:sldId id="318" r:id="rId13"/>
-    <p:sldId id="319" r:id="rId14"/>
-    <p:sldId id="320" r:id="rId15"/>
+    <p:sldId id="320" r:id="rId7"/>
+    <p:sldId id="312" r:id="rId8"/>
+    <p:sldId id="313" r:id="rId9"/>
+    <p:sldId id="314" r:id="rId10"/>
+    <p:sldId id="315" r:id="rId11"/>
+    <p:sldId id="316" r:id="rId12"/>
+    <p:sldId id="317" r:id="rId13"/>
+    <p:sldId id="318" r:id="rId14"/>
+    <p:sldId id="319" r:id="rId15"/>
     <p:sldId id="321" r:id="rId16"/>
-    <p:sldId id="277" r:id="rId17"/>
-    <p:sldId id="259" r:id="rId18"/>
+    <p:sldId id="326" r:id="rId17"/>
+    <p:sldId id="327" r:id="rId18"/>
+    <p:sldId id="328" r:id="rId19"/>
+    <p:sldId id="329" r:id="rId20"/>
+    <p:sldId id="330" r:id="rId21"/>
+    <p:sldId id="331" r:id="rId22"/>
+    <p:sldId id="333" r:id="rId23"/>
+    <p:sldId id="332" r:id="rId24"/>
+    <p:sldId id="336" r:id="rId25"/>
+    <p:sldId id="334" r:id="rId26"/>
+    <p:sldId id="335" r:id="rId27"/>
+    <p:sldId id="277" r:id="rId28"/>
+    <p:sldId id="259" r:id="rId29"/>
   </p:sldIdLst>
   <p:sldSz cx="9144000" cy="5143500" type="screen16x9"/>
   <p:notesSz cx="6858000" cy="9144000"/>
@@ -3664,199 +3675,74 @@
           <a:lstStyle/>
           <a:p>
             <a:r>
-              <a:rPr lang="pl-PL" sz="2400" b="1" dirty="0" smtClean="0"/>
-              <a:t>CI/CD w GitLab</a:t>
-            </a:r>
-            <a:endParaRPr lang="pl-PL" sz="2500" b="1" dirty="0"/>
-          </a:p>
-        </p:txBody>
-      </p:sp>
-      <p:sp>
-        <p:nvSpPr>
-          <p:cNvPr id="3" name="Symbol zastępczy zawartości 2"/>
-          <p:cNvSpPr>
-            <a:spLocks noGrp="1"/>
-          </p:cNvSpPr>
-          <p:nvPr>
-            <p:ph idx="1"/>
-          </p:nvPr>
-        </p:nvSpPr>
-        <p:spPr/>
-        <p:txBody>
-          <a:bodyPr>
-            <a:noAutofit/>
-          </a:bodyPr>
-          <a:lstStyle/>
-          <a:p>
-            <a:r>
-              <a:rPr lang="pl-PL" sz="1400" dirty="0" smtClean="0"/>
-              <a:t>Decyzje projektowe</a:t>
-            </a:r>
-          </a:p>
-          <a:p>
-            <a:r>
-              <a:rPr lang="pl-PL" sz="1400" dirty="0" smtClean="0"/>
-              <a:t>Implementacja na nowym </a:t>
-            </a:r>
-            <a:r>
-              <a:rPr lang="pl-PL" sz="1400" dirty="0" err="1" smtClean="0"/>
-              <a:t>branchu</a:t>
-            </a:r>
-            <a:endParaRPr lang="pl-PL" sz="1400" dirty="0" smtClean="0"/>
-          </a:p>
-          <a:p>
-            <a:r>
-              <a:rPr lang="pl-PL" sz="1400" dirty="0" smtClean="0"/>
-              <a:t>Zaakceptowanie zmian (</a:t>
-            </a:r>
-            <a:r>
-              <a:rPr lang="pl-PL" sz="1400" dirty="0" err="1" smtClean="0"/>
-              <a:t>commit</a:t>
-            </a:r>
-            <a:r>
-              <a:rPr lang="pl-PL" sz="1400" dirty="0" smtClean="0"/>
-              <a:t> + </a:t>
-            </a:r>
-            <a:r>
-              <a:rPr lang="pl-PL" sz="1400" dirty="0" err="1" smtClean="0"/>
-              <a:t>push</a:t>
-            </a:r>
-            <a:r>
-              <a:rPr lang="pl-PL" sz="1400" dirty="0" smtClean="0"/>
-              <a:t>)</a:t>
-            </a:r>
-          </a:p>
-          <a:p>
-            <a:r>
-              <a:rPr lang="pl-PL" sz="1400" dirty="0"/>
-              <a:t>GitLab </a:t>
-            </a:r>
-            <a:r>
-              <a:rPr lang="pl-PL" sz="1400" dirty="0" smtClean="0"/>
-              <a:t>uruchamia </a:t>
-            </a:r>
-            <a:r>
-              <a:rPr lang="pl-PL" sz="1400" dirty="0" err="1" smtClean="0"/>
-              <a:t>pipeline</a:t>
-            </a:r>
-            <a:r>
-              <a:rPr lang="pl-PL" sz="1400" dirty="0" smtClean="0"/>
-              <a:t> CI/CD</a:t>
-            </a:r>
-          </a:p>
-          <a:p>
-            <a:pPr lvl="1"/>
-            <a:r>
-              <a:rPr lang="pl-PL" sz="1000" dirty="0"/>
-              <a:t>uruchamia skrypty budujące i testujące aplikację</a:t>
-            </a:r>
-            <a:r>
-              <a:rPr lang="pl-PL" sz="1000" dirty="0" smtClean="0"/>
-              <a:t>,</a:t>
-            </a:r>
-          </a:p>
-          <a:p>
-            <a:pPr lvl="1"/>
-            <a:r>
-              <a:rPr lang="pl-PL" sz="1000" dirty="0"/>
-              <a:t>umożliwia przegląd zmian według </a:t>
-            </a:r>
-            <a:r>
-              <a:rPr lang="pl-PL" sz="1000" dirty="0" err="1" smtClean="0"/>
-              <a:t>merge’ów</a:t>
-            </a:r>
-            <a:endParaRPr lang="pl-PL" sz="1000" dirty="0" smtClean="0"/>
-          </a:p>
-          <a:p>
-            <a:pPr lvl="1"/>
-            <a:r>
-              <a:rPr lang="pl-PL" sz="1000" dirty="0" smtClean="0"/>
-              <a:t>dostarcza użytkownikowi sprawdzony kod</a:t>
-            </a:r>
-            <a:endParaRPr lang="pl-PL" sz="1000" dirty="0"/>
-          </a:p>
-          <a:p>
-            <a:pPr marL="342900" lvl="1" indent="-342900">
-              <a:buFont typeface="Arial" panose="020B0604020202020204" pitchFamily="34" charset="0"/>
-              <a:buChar char="•"/>
-            </a:pPr>
-            <a:r>
-              <a:rPr lang="pl-PL" sz="1400" dirty="0" smtClean="0"/>
-              <a:t>Użytkownik</a:t>
-            </a:r>
-          </a:p>
-          <a:p>
-            <a:pPr lvl="1"/>
-            <a:r>
-              <a:rPr lang="pl-PL" sz="1000" dirty="0" smtClean="0"/>
-              <a:t>może </a:t>
-            </a:r>
-            <a:r>
-              <a:rPr lang="pl-PL" sz="1000" dirty="0" err="1" smtClean="0"/>
-              <a:t>zamerge’ować</a:t>
-            </a:r>
-            <a:r>
-              <a:rPr lang="pl-PL" sz="1000" dirty="0" smtClean="0"/>
-              <a:t> </a:t>
-            </a:r>
-            <a:r>
-              <a:rPr lang="pl-PL" sz="1000" dirty="0"/>
-              <a:t>gałąź funkcjonalności z </a:t>
-            </a:r>
-            <a:r>
-              <a:rPr lang="pl-PL" sz="1000" dirty="0" smtClean="0"/>
-              <a:t>master</a:t>
-            </a:r>
-          </a:p>
-          <a:p>
-            <a:pPr marL="342900" lvl="1" indent="-342900">
-              <a:buFont typeface="Arial" panose="020B0604020202020204" pitchFamily="34" charset="0"/>
-              <a:buChar char="•"/>
-            </a:pPr>
-            <a:r>
-              <a:rPr lang="pl-PL" sz="1400" dirty="0" smtClean="0"/>
-              <a:t>GitLab w CI/CD</a:t>
-            </a:r>
-          </a:p>
-          <a:p>
-            <a:pPr lvl="1"/>
-            <a:r>
-              <a:rPr lang="pl-PL" sz="1000" dirty="0" smtClean="0"/>
-              <a:t>dostarcza </a:t>
-            </a:r>
-            <a:r>
-              <a:rPr lang="pl-PL" sz="1000" dirty="0"/>
-              <a:t>aplikację do środowiska </a:t>
-            </a:r>
-            <a:r>
-              <a:rPr lang="pl-PL" sz="1000" dirty="0" smtClean="0"/>
-              <a:t>testowego</a:t>
-            </a:r>
-          </a:p>
-          <a:p>
-            <a:pPr lvl="1"/>
-            <a:r>
-              <a:rPr lang="pl-PL" sz="1000" dirty="0"/>
-              <a:t>d</a:t>
-            </a:r>
-            <a:r>
-              <a:rPr lang="pl-PL" sz="1000" dirty="0" smtClean="0"/>
-              <a:t>odaje zmiany do środowiska produkcyjnego</a:t>
-            </a:r>
-            <a:endParaRPr lang="pl-PL" sz="1000" dirty="0"/>
-          </a:p>
-        </p:txBody>
-      </p:sp>
+              <a:rPr lang="pl-PL" sz="2500" b="1" dirty="0" err="1"/>
+              <a:t>Continous</a:t>
+            </a:r>
+            <a:r>
+              <a:rPr lang="pl-PL" sz="2500" b="1" dirty="0"/>
+              <a:t> Deployment</a:t>
+            </a:r>
+          </a:p>
+        </p:txBody>
+      </p:sp>
+      <p:pic>
+        <p:nvPicPr>
+          <p:cNvPr id="1026" name="Picture 2" descr="Continuous deployment"/>
+          <p:cNvPicPr>
+            <a:picLocks noChangeAspect="1" noChangeArrowheads="1"/>
+          </p:cNvPicPr>
+          <p:nvPr/>
+        </p:nvPicPr>
+        <p:blipFill>
+          <a:blip r:embed="rId2">
+            <a:extLst>
+              <a:ext uri="{28A0092B-C50C-407E-A947-70E740481C1C}">
+                <a14:useLocalDpi xmlns:a14="http://schemas.microsoft.com/office/drawing/2010/main" val="0"/>
+              </a:ext>
+            </a:extLst>
+          </a:blip>
+          <a:srcRect/>
+          <a:stretch>
+            <a:fillRect/>
+          </a:stretch>
+        </p:blipFill>
+        <p:spPr bwMode="auto">
+          <a:xfrm>
+            <a:off x="1378701" y="1347614"/>
+            <a:ext cx="6386598" cy="3168352"/>
+          </a:xfrm>
+          <a:prstGeom prst="rect">
+            <a:avLst/>
+          </a:prstGeom>
+          <a:noFill/>
+          <a:extLst>
+            <a:ext uri="{909E8E84-426E-40DD-AFC4-6F175D3DCCD1}">
+              <a14:hiddenFill xmlns:a14="http://schemas.microsoft.com/office/drawing/2010/main">
+                <a:solidFill>
+                  <a:srgbClr val="FFFFFF"/>
+                </a:solidFill>
+              </a14:hiddenFill>
+            </a:ext>
+          </a:extLst>
+        </p:spPr>
+      </p:pic>
     </p:spTree>
     <p:extLst>
       <p:ext uri="{BB962C8B-B14F-4D97-AF65-F5344CB8AC3E}">
-        <p14:creationId xmlns:p14="http://schemas.microsoft.com/office/powerpoint/2010/main" val="1956640361"/>
+        <p14:creationId xmlns:p14="http://schemas.microsoft.com/office/powerpoint/2010/main" val="4207616397"/>
       </p:ext>
     </p:extLst>
   </p:cSld>
   <p:clrMapOvr>
     <a:masterClrMapping/>
   </p:clrMapOvr>
+  <p:timing>
+    <p:tnLst>
+      <p:par>
+        <p:cTn id="1" dur="indefinite" restart="never" nodeType="tmRoot"/>
+      </p:par>
+    </p:tnLst>
+  </p:timing>
 </p:sld>
 </file>
 
@@ -3907,51 +3793,186 @@
           </a:p>
         </p:txBody>
       </p:sp>
-      <p:pic>
-        <p:nvPicPr>
-          <p:cNvPr id="2050" name="Picture 2" descr="https://deviniti.com/wp-content/uploads/2019/09/c.png"/>
-          <p:cNvPicPr>
-            <a:picLocks noChangeAspect="1" noChangeArrowheads="1"/>
-          </p:cNvPicPr>
-          <p:nvPr/>
-        </p:nvPicPr>
-        <p:blipFill>
-          <a:blip r:embed="rId2" cstate="print">
-            <a:extLst>
-              <a:ext uri="{28A0092B-C50C-407E-A947-70E740481C1C}">
-                <a14:useLocalDpi xmlns:a14="http://schemas.microsoft.com/office/drawing/2010/main" val="0"/>
-              </a:ext>
-            </a:extLst>
-          </a:blip>
-          <a:srcRect/>
-          <a:stretch>
-            <a:fillRect/>
-          </a:stretch>
-        </p:blipFill>
-        <p:spPr bwMode="auto">
-          <a:xfrm>
-            <a:off x="1637807" y="1059581"/>
-            <a:ext cx="5868386" cy="3240000"/>
-          </a:xfrm>
-          <a:prstGeom prst="rect">
-            <a:avLst/>
-          </a:prstGeom>
-          <a:noFill/>
-          <a:extLst>
-            <a:ext uri="{909E8E84-426E-40DD-AFC4-6F175D3DCCD1}">
-              <a14:hiddenFill xmlns:a14="http://schemas.microsoft.com/office/drawing/2010/main">
-                <a:solidFill>
-                  <a:srgbClr val="FFFFFF"/>
-                </a:solidFill>
-              </a14:hiddenFill>
-            </a:ext>
-          </a:extLst>
-        </p:spPr>
-      </p:pic>
+      <p:sp>
+        <p:nvSpPr>
+          <p:cNvPr id="3" name="Symbol zastępczy zawartości 2"/>
+          <p:cNvSpPr>
+            <a:spLocks noGrp="1"/>
+          </p:cNvSpPr>
+          <p:nvPr>
+            <p:ph idx="1"/>
+          </p:nvPr>
+        </p:nvSpPr>
+        <p:spPr/>
+        <p:txBody>
+          <a:bodyPr>
+            <a:noAutofit/>
+          </a:bodyPr>
+          <a:lstStyle/>
+          <a:p>
+            <a:r>
+              <a:rPr lang="pl-PL" sz="1400" dirty="0" smtClean="0"/>
+              <a:t>Decyzje projektowe</a:t>
+            </a:r>
+          </a:p>
+          <a:p>
+            <a:r>
+              <a:rPr lang="pl-PL" sz="1400" dirty="0" smtClean="0"/>
+              <a:t>Implementacja na nowym </a:t>
+            </a:r>
+            <a:r>
+              <a:rPr lang="pl-PL" sz="1400" dirty="0" err="1" smtClean="0"/>
+              <a:t>branchu</a:t>
+            </a:r>
+            <a:endParaRPr lang="pl-PL" sz="1400" dirty="0" smtClean="0"/>
+          </a:p>
+          <a:p>
+            <a:r>
+              <a:rPr lang="pl-PL" sz="1400" dirty="0" smtClean="0"/>
+              <a:t>Zaakceptowanie zmian (</a:t>
+            </a:r>
+            <a:r>
+              <a:rPr lang="pl-PL" sz="1400" dirty="0" err="1" smtClean="0"/>
+              <a:t>commit</a:t>
+            </a:r>
+            <a:r>
+              <a:rPr lang="pl-PL" sz="1400" dirty="0" smtClean="0"/>
+              <a:t> + </a:t>
+            </a:r>
+            <a:r>
+              <a:rPr lang="pl-PL" sz="1400" dirty="0" err="1" smtClean="0"/>
+              <a:t>push</a:t>
+            </a:r>
+            <a:r>
+              <a:rPr lang="pl-PL" sz="1400" dirty="0" smtClean="0"/>
+              <a:t>)</a:t>
+            </a:r>
+          </a:p>
+          <a:p>
+            <a:r>
+              <a:rPr lang="pl-PL" sz="1400" dirty="0"/>
+              <a:t>GitLab </a:t>
+            </a:r>
+            <a:r>
+              <a:rPr lang="pl-PL" sz="1400" dirty="0" smtClean="0"/>
+              <a:t>uruchamia </a:t>
+            </a:r>
+            <a:r>
+              <a:rPr lang="pl-PL" sz="1400" dirty="0" err="1" smtClean="0"/>
+              <a:t>pipeline</a:t>
+            </a:r>
+            <a:r>
+              <a:rPr lang="pl-PL" sz="1400" dirty="0" smtClean="0"/>
+              <a:t> CI/CD</a:t>
+            </a:r>
+          </a:p>
+          <a:p>
+            <a:pPr lvl="1"/>
+            <a:r>
+              <a:rPr lang="pl-PL" sz="1000" dirty="0"/>
+              <a:t>uruchamia skrypty budujące i testujące aplikację</a:t>
+            </a:r>
+            <a:r>
+              <a:rPr lang="pl-PL" sz="1000" dirty="0" smtClean="0"/>
+              <a:t>,</a:t>
+            </a:r>
+          </a:p>
+          <a:p>
+            <a:pPr lvl="1"/>
+            <a:r>
+              <a:rPr lang="pl-PL" sz="1000" dirty="0"/>
+              <a:t>umożliwia przegląd zmian według </a:t>
+            </a:r>
+            <a:r>
+              <a:rPr lang="pl-PL" sz="1000" dirty="0" err="1" smtClean="0"/>
+              <a:t>merge’ów</a:t>
+            </a:r>
+            <a:endParaRPr lang="pl-PL" sz="1000" dirty="0" smtClean="0"/>
+          </a:p>
+          <a:p>
+            <a:pPr lvl="1"/>
+            <a:r>
+              <a:rPr lang="pl-PL" sz="1000" dirty="0" smtClean="0"/>
+              <a:t>dostarcza użytkownikowi sprawdzony kod</a:t>
+            </a:r>
+            <a:endParaRPr lang="pl-PL" sz="1000" dirty="0"/>
+          </a:p>
+          <a:p>
+            <a:pPr marL="342900" lvl="1" indent="-342900">
+              <a:buFont typeface="Arial" panose="020B0604020202020204" pitchFamily="34" charset="0"/>
+              <a:buChar char="•"/>
+            </a:pPr>
+            <a:r>
+              <a:rPr lang="pl-PL" sz="1400" dirty="0" smtClean="0"/>
+              <a:t>Użytkownik</a:t>
+            </a:r>
+          </a:p>
+          <a:p>
+            <a:pPr lvl="1"/>
+            <a:r>
+              <a:rPr lang="pl-PL" sz="1000" dirty="0" smtClean="0"/>
+              <a:t>może </a:t>
+            </a:r>
+            <a:r>
+              <a:rPr lang="pl-PL" sz="1000" dirty="0" err="1" smtClean="0"/>
+              <a:t>zamerge’ować</a:t>
+            </a:r>
+            <a:r>
+              <a:rPr lang="pl-PL" sz="1000" dirty="0" smtClean="0"/>
+              <a:t> </a:t>
+            </a:r>
+            <a:r>
+              <a:rPr lang="pl-PL" sz="1000" dirty="0"/>
+              <a:t>gałąź funkcjonalności z </a:t>
+            </a:r>
+            <a:r>
+              <a:rPr lang="pl-PL" sz="1000" dirty="0" smtClean="0"/>
+              <a:t>master</a:t>
+            </a:r>
+          </a:p>
+          <a:p>
+            <a:pPr marL="342900" lvl="1" indent="-342900">
+              <a:buFont typeface="Arial" panose="020B0604020202020204" pitchFamily="34" charset="0"/>
+              <a:buChar char="•"/>
+            </a:pPr>
+            <a:r>
+              <a:rPr lang="pl-PL" sz="1400" dirty="0" smtClean="0"/>
+              <a:t>GitLab w CI/CD</a:t>
+            </a:r>
+          </a:p>
+          <a:p>
+            <a:pPr lvl="1"/>
+            <a:r>
+              <a:rPr lang="pl-PL" sz="1000" dirty="0" smtClean="0"/>
+              <a:t>dostarcza </a:t>
+            </a:r>
+            <a:r>
+              <a:rPr lang="pl-PL" sz="1000" dirty="0"/>
+              <a:t>aplikację do środowiska </a:t>
+            </a:r>
+            <a:r>
+              <a:rPr lang="pl-PL" sz="1000" dirty="0" smtClean="0"/>
+              <a:t>testowego</a:t>
+            </a:r>
+          </a:p>
+          <a:p>
+            <a:pPr lvl="1"/>
+            <a:r>
+              <a:rPr lang="pl-PL" sz="1000" dirty="0"/>
+              <a:t>d</a:t>
+            </a:r>
+            <a:r>
+              <a:rPr lang="pl-PL" sz="1000" dirty="0" smtClean="0"/>
+              <a:t>odaje zmiany do środowiska produkcyjnego</a:t>
+            </a:r>
+            <a:endParaRPr lang="pl-PL" sz="1000" dirty="0"/>
+          </a:p>
+        </p:txBody>
+      </p:sp>
     </p:spTree>
     <p:extLst>
       <p:ext uri="{BB962C8B-B14F-4D97-AF65-F5344CB8AC3E}">
-        <p14:creationId xmlns:p14="http://schemas.microsoft.com/office/powerpoint/2010/main" val="1006318301"/>
+        <p14:creationId xmlns:p14="http://schemas.microsoft.com/office/powerpoint/2010/main" val="1956640361"/>
       </p:ext>
     </p:extLst>
   </p:cSld>
@@ -4010,7 +4031,7 @@
       </p:sp>
       <p:pic>
         <p:nvPicPr>
-          <p:cNvPr id="3" name="Picture 2" descr="https://deviniti.com/wp-content/uploads/2019/09/a.png"/>
+          <p:cNvPr id="2050" name="Picture 2" descr="https://deviniti.com/wp-content/uploads/2019/09/c.png"/>
           <p:cNvPicPr>
             <a:picLocks noChangeAspect="1" noChangeArrowheads="1"/>
           </p:cNvPicPr>
@@ -4031,8 +4052,8 @@
         </p:blipFill>
         <p:spPr bwMode="auto">
           <a:xfrm>
-            <a:off x="2003038" y="1131590"/>
-            <a:ext cx="5137924" cy="3240000"/>
+            <a:off x="1637807" y="1059581"/>
+            <a:ext cx="5868386" cy="3240000"/>
           </a:xfrm>
           <a:prstGeom prst="rect">
             <a:avLst/>
@@ -4052,7 +4073,7 @@
     </p:spTree>
     <p:extLst>
       <p:ext uri="{BB962C8B-B14F-4D97-AF65-F5344CB8AC3E}">
-        <p14:creationId xmlns:p14="http://schemas.microsoft.com/office/powerpoint/2010/main" val="315184615"/>
+        <p14:creationId xmlns:p14="http://schemas.microsoft.com/office/powerpoint/2010/main" val="1006318301"/>
       </p:ext>
     </p:extLst>
   </p:cSld>
@@ -4111,6 +4132,107 @@
       </p:sp>
       <p:pic>
         <p:nvPicPr>
+          <p:cNvPr id="3" name="Picture 2" descr="https://deviniti.com/wp-content/uploads/2019/09/a.png"/>
+          <p:cNvPicPr>
+            <a:picLocks noChangeAspect="1" noChangeArrowheads="1"/>
+          </p:cNvPicPr>
+          <p:nvPr/>
+        </p:nvPicPr>
+        <p:blipFill>
+          <a:blip r:embed="rId2" cstate="print">
+            <a:extLst>
+              <a:ext uri="{28A0092B-C50C-407E-A947-70E740481C1C}">
+                <a14:useLocalDpi xmlns:a14="http://schemas.microsoft.com/office/drawing/2010/main" val="0"/>
+              </a:ext>
+            </a:extLst>
+          </a:blip>
+          <a:srcRect/>
+          <a:stretch>
+            <a:fillRect/>
+          </a:stretch>
+        </p:blipFill>
+        <p:spPr bwMode="auto">
+          <a:xfrm>
+            <a:off x="2003038" y="1131590"/>
+            <a:ext cx="5137924" cy="3240000"/>
+          </a:xfrm>
+          <a:prstGeom prst="rect">
+            <a:avLst/>
+          </a:prstGeom>
+          <a:noFill/>
+          <a:extLst>
+            <a:ext uri="{909E8E84-426E-40DD-AFC4-6F175D3DCCD1}">
+              <a14:hiddenFill xmlns:a14="http://schemas.microsoft.com/office/drawing/2010/main">
+                <a:solidFill>
+                  <a:srgbClr val="FFFFFF"/>
+                </a:solidFill>
+              </a14:hiddenFill>
+            </a:ext>
+          </a:extLst>
+        </p:spPr>
+      </p:pic>
+    </p:spTree>
+    <p:extLst>
+      <p:ext uri="{BB962C8B-B14F-4D97-AF65-F5344CB8AC3E}">
+        <p14:creationId xmlns:p14="http://schemas.microsoft.com/office/powerpoint/2010/main" val="315184615"/>
+      </p:ext>
+    </p:extLst>
+  </p:cSld>
+  <p:clrMapOvr>
+    <a:masterClrMapping/>
+  </p:clrMapOvr>
+</p:sld>
+</file>
+
+<file path=ppt/slides/slide14.xml><?xml version="1.0" encoding="utf-8"?>
+<p:sld xmlns:a="http://schemas.openxmlformats.org/drawingml/2006/main" xmlns:r="http://schemas.openxmlformats.org/officeDocument/2006/relationships" xmlns:p="http://schemas.openxmlformats.org/presentationml/2006/main">
+  <p:cSld>
+    <p:spTree>
+      <p:nvGrpSpPr>
+        <p:cNvPr id="1" name=""/>
+        <p:cNvGrpSpPr/>
+        <p:nvPr/>
+      </p:nvGrpSpPr>
+      <p:grpSpPr>
+        <a:xfrm>
+          <a:off x="0" y="0"/>
+          <a:ext cx="0" cy="0"/>
+          <a:chOff x="0" y="0"/>
+          <a:chExt cx="0" cy="0"/>
+        </a:xfrm>
+      </p:grpSpPr>
+      <p:sp>
+        <p:nvSpPr>
+          <p:cNvPr id="2" name="Tytuł 1"/>
+          <p:cNvSpPr>
+            <a:spLocks noGrp="1"/>
+          </p:cNvSpPr>
+          <p:nvPr>
+            <p:ph type="title"/>
+          </p:nvPr>
+        </p:nvSpPr>
+        <p:spPr>
+          <a:xfrm>
+            <a:off x="457200" y="627533"/>
+            <a:ext cx="8229600" cy="435695"/>
+          </a:xfrm>
+        </p:spPr>
+        <p:txBody>
+          <a:bodyPr>
+            <a:normAutofit fontScale="90000"/>
+          </a:bodyPr>
+          <a:lstStyle/>
+          <a:p>
+            <a:r>
+              <a:rPr lang="pl-PL" sz="2400" b="1" dirty="0" smtClean="0"/>
+              <a:t>CI/CD w GitLab</a:t>
+            </a:r>
+            <a:endParaRPr lang="pl-PL" sz="2500" b="1" dirty="0"/>
+          </a:p>
+        </p:txBody>
+      </p:sp>
+      <p:pic>
+        <p:nvPicPr>
           <p:cNvPr id="1026" name="Picture 2"/>
           <p:cNvPicPr>
             <a:picLocks noChangeAspect="1" noChangeArrowheads="1"/>
@@ -4167,107 +4289,6 @@
     <p:extLst>
       <p:ext uri="{BB962C8B-B14F-4D97-AF65-F5344CB8AC3E}">
         <p14:creationId xmlns:p14="http://schemas.microsoft.com/office/powerpoint/2010/main" val="49267516"/>
-      </p:ext>
-    </p:extLst>
-  </p:cSld>
-  <p:clrMapOvr>
-    <a:masterClrMapping/>
-  </p:clrMapOvr>
-</p:sld>
-</file>
-
-<file path=ppt/slides/slide14.xml><?xml version="1.0" encoding="utf-8"?>
-<p:sld xmlns:a="http://schemas.openxmlformats.org/drawingml/2006/main" xmlns:r="http://schemas.openxmlformats.org/officeDocument/2006/relationships" xmlns:p="http://schemas.openxmlformats.org/presentationml/2006/main">
-  <p:cSld>
-    <p:spTree>
-      <p:nvGrpSpPr>
-        <p:cNvPr id="1" name=""/>
-        <p:cNvGrpSpPr/>
-        <p:nvPr/>
-      </p:nvGrpSpPr>
-      <p:grpSpPr>
-        <a:xfrm>
-          <a:off x="0" y="0"/>
-          <a:ext cx="0" cy="0"/>
-          <a:chOff x="0" y="0"/>
-          <a:chExt cx="0" cy="0"/>
-        </a:xfrm>
-      </p:grpSpPr>
-      <p:sp>
-        <p:nvSpPr>
-          <p:cNvPr id="2" name="Tytuł 1"/>
-          <p:cNvSpPr>
-            <a:spLocks noGrp="1"/>
-          </p:cNvSpPr>
-          <p:nvPr>
-            <p:ph type="title"/>
-          </p:nvPr>
-        </p:nvSpPr>
-        <p:spPr>
-          <a:xfrm>
-            <a:off x="457200" y="627533"/>
-            <a:ext cx="8229600" cy="435695"/>
-          </a:xfrm>
-        </p:spPr>
-        <p:txBody>
-          <a:bodyPr>
-            <a:normAutofit fontScale="90000"/>
-          </a:bodyPr>
-          <a:lstStyle/>
-          <a:p>
-            <a:r>
-              <a:rPr lang="pl-PL" sz="2400" b="1" dirty="0" smtClean="0"/>
-              <a:t>CI/CD w GitLab</a:t>
-            </a:r>
-            <a:endParaRPr lang="pl-PL" sz="2500" b="1" dirty="0"/>
-          </a:p>
-        </p:txBody>
-      </p:sp>
-      <p:pic>
-        <p:nvPicPr>
-          <p:cNvPr id="1028" name="Picture 4" descr="Wdrażanie aplikacji przy użyciu Gitlab CI / CD w zarządzanym klastrze  Kubernetes w GCP"/>
-          <p:cNvPicPr>
-            <a:picLocks noChangeAspect="1" noChangeArrowheads="1"/>
-          </p:cNvPicPr>
-          <p:nvPr/>
-        </p:nvPicPr>
-        <p:blipFill>
-          <a:blip r:embed="rId2">
-            <a:extLst>
-              <a:ext uri="{28A0092B-C50C-407E-A947-70E740481C1C}">
-                <a14:useLocalDpi xmlns:a14="http://schemas.microsoft.com/office/drawing/2010/main" val="0"/>
-              </a:ext>
-            </a:extLst>
-          </a:blip>
-          <a:srcRect/>
-          <a:stretch>
-            <a:fillRect/>
-          </a:stretch>
-        </p:blipFill>
-        <p:spPr bwMode="auto">
-          <a:xfrm>
-            <a:off x="1940261" y="1491630"/>
-            <a:ext cx="5263478" cy="2982095"/>
-          </a:xfrm>
-          <a:prstGeom prst="rect">
-            <a:avLst/>
-          </a:prstGeom>
-          <a:noFill/>
-          <a:extLst>
-            <a:ext uri="{909E8E84-426E-40DD-AFC4-6F175D3DCCD1}">
-              <a14:hiddenFill xmlns:a14="http://schemas.microsoft.com/office/drawing/2010/main">
-                <a:solidFill>
-                  <a:srgbClr val="FFFFFF"/>
-                </a:solidFill>
-              </a14:hiddenFill>
-            </a:ext>
-          </a:extLst>
-        </p:spPr>
-      </p:pic>
-    </p:spTree>
-    <p:extLst>
-      <p:ext uri="{BB962C8B-B14F-4D97-AF65-F5344CB8AC3E}">
-        <p14:creationId xmlns:p14="http://schemas.microsoft.com/office/powerpoint/2010/main" val="932160166"/>
       </p:ext>
     </p:extLst>
   </p:cSld>
@@ -4397,6 +4418,1334 @@
       </p:grpSpPr>
       <p:sp>
         <p:nvSpPr>
+          <p:cNvPr id="2" name="Tytuł 1"/>
+          <p:cNvSpPr>
+            <a:spLocks noGrp="1"/>
+          </p:cNvSpPr>
+          <p:nvPr>
+            <p:ph type="title"/>
+          </p:nvPr>
+        </p:nvSpPr>
+        <p:spPr>
+          <a:xfrm>
+            <a:off x="457200" y="627533"/>
+            <a:ext cx="8229600" cy="435695"/>
+          </a:xfrm>
+        </p:spPr>
+        <p:txBody>
+          <a:bodyPr>
+            <a:normAutofit fontScale="90000"/>
+          </a:bodyPr>
+          <a:lstStyle/>
+          <a:p>
+            <a:r>
+              <a:rPr lang="pl-PL" sz="2500" b="1" dirty="0" smtClean="0"/>
+              <a:t>GitLab</a:t>
+            </a:r>
+            <a:endParaRPr lang="pl-PL" sz="2500" b="1" dirty="0"/>
+          </a:p>
+        </p:txBody>
+      </p:sp>
+      <p:pic>
+        <p:nvPicPr>
+          <p:cNvPr id="3" name="Picture 2" descr="G:\Tematy\Git\gitlab-tutorial\GitLab tutorial\01. GitLab.png"/>
+          <p:cNvPicPr>
+            <a:picLocks noChangeAspect="1" noChangeArrowheads="1"/>
+          </p:cNvPicPr>
+          <p:nvPr/>
+        </p:nvPicPr>
+        <p:blipFill>
+          <a:blip r:embed="rId2" cstate="print">
+            <a:extLst>
+              <a:ext uri="{28A0092B-C50C-407E-A947-70E740481C1C}">
+                <a14:useLocalDpi xmlns:a14="http://schemas.microsoft.com/office/drawing/2010/main" val="0"/>
+              </a:ext>
+            </a:extLst>
+          </a:blip>
+          <a:srcRect/>
+          <a:stretch>
+            <a:fillRect/>
+          </a:stretch>
+        </p:blipFill>
+        <p:spPr bwMode="auto">
+          <a:xfrm>
+            <a:off x="2051719" y="1203597"/>
+            <a:ext cx="5242088" cy="2700000"/>
+          </a:xfrm>
+          <a:prstGeom prst="rect">
+            <a:avLst/>
+          </a:prstGeom>
+          <a:noFill/>
+          <a:extLst>
+            <a:ext uri="{909E8E84-426E-40DD-AFC4-6F175D3DCCD1}">
+              <a14:hiddenFill xmlns:a14="http://schemas.microsoft.com/office/drawing/2010/main">
+                <a:solidFill>
+                  <a:srgbClr val="FFFFFF"/>
+                </a:solidFill>
+              </a14:hiddenFill>
+            </a:ext>
+          </a:extLst>
+        </p:spPr>
+      </p:pic>
+    </p:spTree>
+    <p:extLst>
+      <p:ext uri="{BB962C8B-B14F-4D97-AF65-F5344CB8AC3E}">
+        <p14:creationId xmlns:p14="http://schemas.microsoft.com/office/powerpoint/2010/main" val="2572185759"/>
+      </p:ext>
+    </p:extLst>
+  </p:cSld>
+  <p:clrMapOvr>
+    <a:masterClrMapping/>
+  </p:clrMapOvr>
+</p:sld>
+</file>
+
+<file path=ppt/slides/slide17.xml><?xml version="1.0" encoding="utf-8"?>
+<p:sld xmlns:a="http://schemas.openxmlformats.org/drawingml/2006/main" xmlns:r="http://schemas.openxmlformats.org/officeDocument/2006/relationships" xmlns:p="http://schemas.openxmlformats.org/presentationml/2006/main">
+  <p:cSld>
+    <p:spTree>
+      <p:nvGrpSpPr>
+        <p:cNvPr id="1" name=""/>
+        <p:cNvGrpSpPr/>
+        <p:nvPr/>
+      </p:nvGrpSpPr>
+      <p:grpSpPr>
+        <a:xfrm>
+          <a:off x="0" y="0"/>
+          <a:ext cx="0" cy="0"/>
+          <a:chOff x="0" y="0"/>
+          <a:chExt cx="0" cy="0"/>
+        </a:xfrm>
+      </p:grpSpPr>
+      <p:sp>
+        <p:nvSpPr>
+          <p:cNvPr id="2" name="Tytuł 1"/>
+          <p:cNvSpPr>
+            <a:spLocks noGrp="1"/>
+          </p:cNvSpPr>
+          <p:nvPr>
+            <p:ph type="title"/>
+          </p:nvPr>
+        </p:nvSpPr>
+        <p:spPr>
+          <a:xfrm>
+            <a:off x="457200" y="627533"/>
+            <a:ext cx="8229600" cy="435695"/>
+          </a:xfrm>
+        </p:spPr>
+        <p:txBody>
+          <a:bodyPr>
+            <a:normAutofit fontScale="90000"/>
+          </a:bodyPr>
+          <a:lstStyle/>
+          <a:p>
+            <a:r>
+              <a:rPr lang="pl-PL" sz="2500" b="1" dirty="0" smtClean="0"/>
+              <a:t>GitLab</a:t>
+            </a:r>
+            <a:endParaRPr lang="pl-PL" sz="2500" b="1" dirty="0"/>
+          </a:p>
+        </p:txBody>
+      </p:sp>
+      <p:pic>
+        <p:nvPicPr>
+          <p:cNvPr id="5" name="Picture 2" descr="G:\Tematy\Git\gitlab-tutorial\GitLab tutorial\02. GitLab Register.png"/>
+          <p:cNvPicPr>
+            <a:picLocks noChangeAspect="1" noChangeArrowheads="1"/>
+          </p:cNvPicPr>
+          <p:nvPr/>
+        </p:nvPicPr>
+        <p:blipFill>
+          <a:blip r:embed="rId2" cstate="print">
+            <a:extLst>
+              <a:ext uri="{28A0092B-C50C-407E-A947-70E740481C1C}">
+                <a14:useLocalDpi xmlns:a14="http://schemas.microsoft.com/office/drawing/2010/main" val="0"/>
+              </a:ext>
+            </a:extLst>
+          </a:blip>
+          <a:srcRect/>
+          <a:stretch>
+            <a:fillRect/>
+          </a:stretch>
+        </p:blipFill>
+        <p:spPr bwMode="auto">
+          <a:xfrm>
+            <a:off x="2411760" y="1203598"/>
+            <a:ext cx="4306232" cy="2700000"/>
+          </a:xfrm>
+          <a:prstGeom prst="rect">
+            <a:avLst/>
+          </a:prstGeom>
+          <a:noFill/>
+          <a:extLst>
+            <a:ext uri="{909E8E84-426E-40DD-AFC4-6F175D3DCCD1}">
+              <a14:hiddenFill xmlns:a14="http://schemas.microsoft.com/office/drawing/2010/main">
+                <a:solidFill>
+                  <a:srgbClr val="FFFFFF"/>
+                </a:solidFill>
+              </a14:hiddenFill>
+            </a:ext>
+          </a:extLst>
+        </p:spPr>
+      </p:pic>
+    </p:spTree>
+    <p:extLst>
+      <p:ext uri="{BB962C8B-B14F-4D97-AF65-F5344CB8AC3E}">
+        <p14:creationId xmlns:p14="http://schemas.microsoft.com/office/powerpoint/2010/main" val="504977702"/>
+      </p:ext>
+    </p:extLst>
+  </p:cSld>
+  <p:clrMapOvr>
+    <a:masterClrMapping/>
+  </p:clrMapOvr>
+</p:sld>
+</file>
+
+<file path=ppt/slides/slide18.xml><?xml version="1.0" encoding="utf-8"?>
+<p:sld xmlns:a="http://schemas.openxmlformats.org/drawingml/2006/main" xmlns:r="http://schemas.openxmlformats.org/officeDocument/2006/relationships" xmlns:p="http://schemas.openxmlformats.org/presentationml/2006/main">
+  <p:cSld>
+    <p:spTree>
+      <p:nvGrpSpPr>
+        <p:cNvPr id="1" name=""/>
+        <p:cNvGrpSpPr/>
+        <p:nvPr/>
+      </p:nvGrpSpPr>
+      <p:grpSpPr>
+        <a:xfrm>
+          <a:off x="0" y="0"/>
+          <a:ext cx="0" cy="0"/>
+          <a:chOff x="0" y="0"/>
+          <a:chExt cx="0" cy="0"/>
+        </a:xfrm>
+      </p:grpSpPr>
+      <p:sp>
+        <p:nvSpPr>
+          <p:cNvPr id="2" name="Tytuł 1"/>
+          <p:cNvSpPr>
+            <a:spLocks noGrp="1"/>
+          </p:cNvSpPr>
+          <p:nvPr>
+            <p:ph type="title"/>
+          </p:nvPr>
+        </p:nvSpPr>
+        <p:spPr>
+          <a:xfrm>
+            <a:off x="457200" y="627533"/>
+            <a:ext cx="8229600" cy="435695"/>
+          </a:xfrm>
+        </p:spPr>
+        <p:txBody>
+          <a:bodyPr>
+            <a:normAutofit fontScale="90000"/>
+          </a:bodyPr>
+          <a:lstStyle/>
+          <a:p>
+            <a:r>
+              <a:rPr lang="pl-PL" sz="2500" b="1" dirty="0" smtClean="0"/>
+              <a:t>GitLab - </a:t>
+            </a:r>
+            <a:r>
+              <a:rPr lang="pl-PL" sz="2500" b="1" dirty="0" err="1" smtClean="0"/>
+              <a:t>loging</a:t>
+            </a:r>
+            <a:endParaRPr lang="pl-PL" sz="2500" b="1" dirty="0"/>
+          </a:p>
+        </p:txBody>
+      </p:sp>
+      <p:pic>
+        <p:nvPicPr>
+          <p:cNvPr id="3075" name="Picture 3" descr="G:\Tematy\Git\gitlab-tutorial\GitLab tutorial\04. GitLab Logging 2.png"/>
+          <p:cNvPicPr>
+            <a:picLocks noChangeAspect="1" noChangeArrowheads="1"/>
+          </p:cNvPicPr>
+          <p:nvPr/>
+        </p:nvPicPr>
+        <p:blipFill>
+          <a:blip r:embed="rId2" cstate="print">
+            <a:extLst>
+              <a:ext uri="{28A0092B-C50C-407E-A947-70E740481C1C}">
+                <a14:useLocalDpi xmlns:a14="http://schemas.microsoft.com/office/drawing/2010/main" val="0"/>
+              </a:ext>
+            </a:extLst>
+          </a:blip>
+          <a:srcRect/>
+          <a:stretch>
+            <a:fillRect/>
+          </a:stretch>
+        </p:blipFill>
+        <p:spPr bwMode="auto">
+          <a:xfrm>
+            <a:off x="2205994" y="1221750"/>
+            <a:ext cx="4732012" cy="2700000"/>
+          </a:xfrm>
+          <a:prstGeom prst="rect">
+            <a:avLst/>
+          </a:prstGeom>
+          <a:noFill/>
+          <a:extLst>
+            <a:ext uri="{909E8E84-426E-40DD-AFC4-6F175D3DCCD1}">
+              <a14:hiddenFill xmlns:a14="http://schemas.microsoft.com/office/drawing/2010/main">
+                <a:solidFill>
+                  <a:srgbClr val="FFFFFF"/>
+                </a:solidFill>
+              </a14:hiddenFill>
+            </a:ext>
+          </a:extLst>
+        </p:spPr>
+      </p:pic>
+    </p:spTree>
+    <p:extLst>
+      <p:ext uri="{BB962C8B-B14F-4D97-AF65-F5344CB8AC3E}">
+        <p14:creationId xmlns:p14="http://schemas.microsoft.com/office/powerpoint/2010/main" val="2263703592"/>
+      </p:ext>
+    </p:extLst>
+  </p:cSld>
+  <p:clrMapOvr>
+    <a:masterClrMapping/>
+  </p:clrMapOvr>
+</p:sld>
+</file>
+
+<file path=ppt/slides/slide19.xml><?xml version="1.0" encoding="utf-8"?>
+<p:sld xmlns:a="http://schemas.openxmlformats.org/drawingml/2006/main" xmlns:r="http://schemas.openxmlformats.org/officeDocument/2006/relationships" xmlns:p="http://schemas.openxmlformats.org/presentationml/2006/main">
+  <p:cSld>
+    <p:spTree>
+      <p:nvGrpSpPr>
+        <p:cNvPr id="1" name=""/>
+        <p:cNvGrpSpPr/>
+        <p:nvPr/>
+      </p:nvGrpSpPr>
+      <p:grpSpPr>
+        <a:xfrm>
+          <a:off x="0" y="0"/>
+          <a:ext cx="0" cy="0"/>
+          <a:chOff x="0" y="0"/>
+          <a:chExt cx="0" cy="0"/>
+        </a:xfrm>
+      </p:grpSpPr>
+      <p:sp>
+        <p:nvSpPr>
+          <p:cNvPr id="2" name="Tytuł 1"/>
+          <p:cNvSpPr>
+            <a:spLocks noGrp="1"/>
+          </p:cNvSpPr>
+          <p:nvPr>
+            <p:ph type="title"/>
+          </p:nvPr>
+        </p:nvSpPr>
+        <p:spPr>
+          <a:xfrm>
+            <a:off x="457200" y="627533"/>
+            <a:ext cx="8229600" cy="435695"/>
+          </a:xfrm>
+        </p:spPr>
+        <p:txBody>
+          <a:bodyPr>
+            <a:normAutofit fontScale="90000"/>
+          </a:bodyPr>
+          <a:lstStyle/>
+          <a:p>
+            <a:r>
+              <a:rPr lang="pl-PL" sz="2500" b="1" dirty="0"/>
+              <a:t>GitLab - </a:t>
+            </a:r>
+            <a:r>
+              <a:rPr lang="pl-PL" sz="2500" b="1" dirty="0" err="1"/>
+              <a:t>Main</a:t>
+            </a:r>
+            <a:r>
+              <a:rPr lang="pl-PL" sz="2500" b="1" dirty="0"/>
+              <a:t> </a:t>
+            </a:r>
+            <a:r>
+              <a:rPr lang="pl-PL" sz="2500" b="1" dirty="0" smtClean="0"/>
+              <a:t>menu</a:t>
+            </a:r>
+            <a:endParaRPr lang="pl-PL" sz="2500" b="1" dirty="0"/>
+          </a:p>
+        </p:txBody>
+      </p:sp>
+      <p:pic>
+        <p:nvPicPr>
+          <p:cNvPr id="4098" name="Picture 2" descr="G:\Tematy\Git\gitlab-tutorial\GitLab tutorial\05. GitLab Main page.png"/>
+          <p:cNvPicPr>
+            <a:picLocks noChangeAspect="1" noChangeArrowheads="1"/>
+          </p:cNvPicPr>
+          <p:nvPr/>
+        </p:nvPicPr>
+        <p:blipFill>
+          <a:blip r:embed="rId2" cstate="print">
+            <a:extLst>
+              <a:ext uri="{28A0092B-C50C-407E-A947-70E740481C1C}">
+                <a14:useLocalDpi xmlns:a14="http://schemas.microsoft.com/office/drawing/2010/main" val="0"/>
+              </a:ext>
+            </a:extLst>
+          </a:blip>
+          <a:srcRect/>
+          <a:stretch>
+            <a:fillRect/>
+          </a:stretch>
+        </p:blipFill>
+        <p:spPr bwMode="auto">
+          <a:xfrm>
+            <a:off x="2152189" y="1221750"/>
+            <a:ext cx="4839623" cy="2700000"/>
+          </a:xfrm>
+          <a:prstGeom prst="rect">
+            <a:avLst/>
+          </a:prstGeom>
+          <a:noFill/>
+          <a:extLst>
+            <a:ext uri="{909E8E84-426E-40DD-AFC4-6F175D3DCCD1}">
+              <a14:hiddenFill xmlns:a14="http://schemas.microsoft.com/office/drawing/2010/main">
+                <a:solidFill>
+                  <a:srgbClr val="FFFFFF"/>
+                </a:solidFill>
+              </a14:hiddenFill>
+            </a:ext>
+          </a:extLst>
+        </p:spPr>
+      </p:pic>
+      <p:pic>
+        <p:nvPicPr>
+          <p:cNvPr id="4099" name="Picture 3" descr="G:\Tematy\Git\gitlab-tutorial\GitLab tutorial\06. GitLab Main page Menu Projects.png"/>
+          <p:cNvPicPr>
+            <a:picLocks noChangeAspect="1" noChangeArrowheads="1"/>
+          </p:cNvPicPr>
+          <p:nvPr/>
+        </p:nvPicPr>
+        <p:blipFill>
+          <a:blip r:embed="rId3" cstate="print">
+            <a:extLst>
+              <a:ext uri="{28A0092B-C50C-407E-A947-70E740481C1C}">
+                <a14:useLocalDpi xmlns:a14="http://schemas.microsoft.com/office/drawing/2010/main" val="0"/>
+              </a:ext>
+            </a:extLst>
+          </a:blip>
+          <a:srcRect/>
+          <a:stretch>
+            <a:fillRect/>
+          </a:stretch>
+        </p:blipFill>
+        <p:spPr bwMode="auto">
+          <a:xfrm>
+            <a:off x="1075784" y="1851749"/>
+            <a:ext cx="1830168" cy="1440000"/>
+          </a:xfrm>
+          <a:prstGeom prst="rect">
+            <a:avLst/>
+          </a:prstGeom>
+          <a:noFill/>
+          <a:extLst>
+            <a:ext uri="{909E8E84-426E-40DD-AFC4-6F175D3DCCD1}">
+              <a14:hiddenFill xmlns:a14="http://schemas.microsoft.com/office/drawing/2010/main">
+                <a:solidFill>
+                  <a:srgbClr val="FFFFFF"/>
+                </a:solidFill>
+              </a14:hiddenFill>
+            </a:ext>
+          </a:extLst>
+        </p:spPr>
+      </p:pic>
+      <p:pic>
+        <p:nvPicPr>
+          <p:cNvPr id="4100" name="Picture 4" descr="G:\Tematy\Git\gitlab-tutorial\GitLab tutorial\07. GitLab Main page Menu Groups.png"/>
+          <p:cNvPicPr>
+            <a:picLocks noChangeAspect="1" noChangeArrowheads="1"/>
+          </p:cNvPicPr>
+          <p:nvPr/>
+        </p:nvPicPr>
+        <p:blipFill>
+          <a:blip r:embed="rId4">
+            <a:extLst>
+              <a:ext uri="{28A0092B-C50C-407E-A947-70E740481C1C}">
+                <a14:useLocalDpi xmlns:a14="http://schemas.microsoft.com/office/drawing/2010/main" val="0"/>
+              </a:ext>
+            </a:extLst>
+          </a:blip>
+          <a:srcRect/>
+          <a:stretch>
+            <a:fillRect/>
+          </a:stretch>
+        </p:blipFill>
+        <p:spPr bwMode="auto">
+          <a:xfrm>
+            <a:off x="6228184" y="1697037"/>
+            <a:ext cx="2141373" cy="1749425"/>
+          </a:xfrm>
+          <a:prstGeom prst="rect">
+            <a:avLst/>
+          </a:prstGeom>
+          <a:noFill/>
+          <a:extLst>
+            <a:ext uri="{909E8E84-426E-40DD-AFC4-6F175D3DCCD1}">
+              <a14:hiddenFill xmlns:a14="http://schemas.microsoft.com/office/drawing/2010/main">
+                <a:solidFill>
+                  <a:srgbClr val="FFFFFF"/>
+                </a:solidFill>
+              </a14:hiddenFill>
+            </a:ext>
+          </a:extLst>
+        </p:spPr>
+      </p:pic>
+    </p:spTree>
+    <p:extLst>
+      <p:ext uri="{BB962C8B-B14F-4D97-AF65-F5344CB8AC3E}">
+        <p14:creationId xmlns:p14="http://schemas.microsoft.com/office/powerpoint/2010/main" val="456062530"/>
+      </p:ext>
+    </p:extLst>
+  </p:cSld>
+  <p:clrMapOvr>
+    <a:masterClrMapping/>
+  </p:clrMapOvr>
+</p:sld>
+</file>
+
+<file path=ppt/slides/slide2.xml><?xml version="1.0" encoding="utf-8"?>
+<p:sld xmlns:a="http://schemas.openxmlformats.org/drawingml/2006/main" xmlns:r="http://schemas.openxmlformats.org/officeDocument/2006/relationships" xmlns:p="http://schemas.openxmlformats.org/presentationml/2006/main">
+  <p:cSld>
+    <p:spTree>
+      <p:nvGrpSpPr>
+        <p:cNvPr id="1" name=""/>
+        <p:cNvGrpSpPr/>
+        <p:nvPr/>
+      </p:nvGrpSpPr>
+      <p:grpSpPr>
+        <a:xfrm>
+          <a:off x="0" y="0"/>
+          <a:ext cx="0" cy="0"/>
+          <a:chOff x="0" y="0"/>
+          <a:chExt cx="0" cy="0"/>
+        </a:xfrm>
+      </p:grpSpPr>
+      <p:sp>
+        <p:nvSpPr>
+          <p:cNvPr id="3" name="Symbol zastępczy zawartości 2"/>
+          <p:cNvSpPr>
+            <a:spLocks noGrp="1"/>
+          </p:cNvSpPr>
+          <p:nvPr>
+            <p:ph idx="1"/>
+          </p:nvPr>
+        </p:nvSpPr>
+        <p:spPr/>
+        <p:txBody>
+          <a:bodyPr>
+            <a:normAutofit/>
+          </a:bodyPr>
+          <a:lstStyle/>
+          <a:p>
+            <a:pPr marL="0" indent="0">
+              <a:buNone/>
+            </a:pPr>
+            <a:r>
+              <a:rPr lang="pl-PL" sz="1800" b="1" dirty="0" smtClean="0"/>
+              <a:t>Software Development Life </a:t>
+            </a:r>
+            <a:r>
+              <a:rPr lang="pl-PL" sz="1800" b="1" dirty="0" err="1" smtClean="0"/>
+              <a:t>Cycle</a:t>
+            </a:r>
+            <a:endParaRPr lang="pl-PL" sz="1800" b="1" dirty="0" smtClean="0"/>
+          </a:p>
+        </p:txBody>
+      </p:sp>
+      <p:pic>
+        <p:nvPicPr>
+          <p:cNvPr id="4" name="Picture 4" descr="DevOps and Agile Methodologies in your Software Development Life Cycle –  Denken Solutions — Blog"/>
+          <p:cNvPicPr>
+            <a:picLocks noChangeAspect="1" noChangeArrowheads="1"/>
+          </p:cNvPicPr>
+          <p:nvPr/>
+        </p:nvPicPr>
+        <p:blipFill>
+          <a:blip r:embed="rId2" cstate="print">
+            <a:extLst>
+              <a:ext uri="{28A0092B-C50C-407E-A947-70E740481C1C}">
+                <a14:useLocalDpi xmlns:a14="http://schemas.microsoft.com/office/drawing/2010/main" val="0"/>
+              </a:ext>
+            </a:extLst>
+          </a:blip>
+          <a:srcRect/>
+          <a:stretch>
+            <a:fillRect/>
+          </a:stretch>
+        </p:blipFill>
+        <p:spPr bwMode="auto">
+          <a:xfrm>
+            <a:off x="2421685" y="1851670"/>
+            <a:ext cx="4300630" cy="2808312"/>
+          </a:xfrm>
+          <a:prstGeom prst="rect">
+            <a:avLst/>
+          </a:prstGeom>
+          <a:noFill/>
+          <a:extLst>
+            <a:ext uri="{909E8E84-426E-40DD-AFC4-6F175D3DCCD1}">
+              <a14:hiddenFill xmlns:a14="http://schemas.microsoft.com/office/drawing/2010/main">
+                <a:solidFill>
+                  <a:srgbClr val="FFFFFF"/>
+                </a:solidFill>
+              </a14:hiddenFill>
+            </a:ext>
+          </a:extLst>
+        </p:spPr>
+      </p:pic>
+    </p:spTree>
+    <p:extLst>
+      <p:ext uri="{BB962C8B-B14F-4D97-AF65-F5344CB8AC3E}">
+        <p14:creationId xmlns:p14="http://schemas.microsoft.com/office/powerpoint/2010/main" val="3888019347"/>
+      </p:ext>
+    </p:extLst>
+  </p:cSld>
+  <p:clrMapOvr>
+    <a:masterClrMapping/>
+  </p:clrMapOvr>
+</p:sld>
+</file>
+
+<file path=ppt/slides/slide20.xml><?xml version="1.0" encoding="utf-8"?>
+<p:sld xmlns:a="http://schemas.openxmlformats.org/drawingml/2006/main" xmlns:r="http://schemas.openxmlformats.org/officeDocument/2006/relationships" xmlns:p="http://schemas.openxmlformats.org/presentationml/2006/main">
+  <p:cSld>
+    <p:spTree>
+      <p:nvGrpSpPr>
+        <p:cNvPr id="1" name=""/>
+        <p:cNvGrpSpPr/>
+        <p:nvPr/>
+      </p:nvGrpSpPr>
+      <p:grpSpPr>
+        <a:xfrm>
+          <a:off x="0" y="0"/>
+          <a:ext cx="0" cy="0"/>
+          <a:chOff x="0" y="0"/>
+          <a:chExt cx="0" cy="0"/>
+        </a:xfrm>
+      </p:grpSpPr>
+      <p:sp>
+        <p:nvSpPr>
+          <p:cNvPr id="2" name="Tytuł 1"/>
+          <p:cNvSpPr>
+            <a:spLocks noGrp="1"/>
+          </p:cNvSpPr>
+          <p:nvPr>
+            <p:ph type="title"/>
+          </p:nvPr>
+        </p:nvSpPr>
+        <p:spPr>
+          <a:xfrm>
+            <a:off x="457200" y="627533"/>
+            <a:ext cx="8229600" cy="435695"/>
+          </a:xfrm>
+        </p:spPr>
+        <p:txBody>
+          <a:bodyPr>
+            <a:normAutofit fontScale="90000"/>
+          </a:bodyPr>
+          <a:lstStyle/>
+          <a:p>
+            <a:r>
+              <a:rPr lang="pl-PL" sz="2500" b="1" dirty="0" smtClean="0"/>
+              <a:t>GitLab – </a:t>
+            </a:r>
+            <a:r>
+              <a:rPr lang="pl-PL" sz="2500" b="1" dirty="0" err="1" smtClean="0"/>
+              <a:t>ne</a:t>
+            </a:r>
+            <a:r>
+              <a:rPr lang="pl-PL" sz="2500" b="1" dirty="0" err="1" smtClean="0"/>
+              <a:t>w</a:t>
+            </a:r>
+            <a:r>
+              <a:rPr lang="pl-PL" sz="2500" b="1" dirty="0" smtClean="0"/>
+              <a:t> </a:t>
+            </a:r>
+            <a:r>
+              <a:rPr lang="pl-PL" sz="2500" b="1" dirty="0" err="1" smtClean="0"/>
+              <a:t>project</a:t>
+            </a:r>
+            <a:endParaRPr lang="pl-PL" sz="2500" b="1" dirty="0"/>
+          </a:p>
+        </p:txBody>
+      </p:sp>
+      <p:pic>
+        <p:nvPicPr>
+          <p:cNvPr id="5122" name="Picture 2" descr="G:\Tematy\Git\gitlab-tutorial\GitLab tutorial\07. GitLab New project 1.png"/>
+          <p:cNvPicPr>
+            <a:picLocks noChangeAspect="1" noChangeArrowheads="1"/>
+          </p:cNvPicPr>
+          <p:nvPr/>
+        </p:nvPicPr>
+        <p:blipFill>
+          <a:blip r:embed="rId2" cstate="print">
+            <a:extLst>
+              <a:ext uri="{28A0092B-C50C-407E-A947-70E740481C1C}">
+                <a14:useLocalDpi xmlns:a14="http://schemas.microsoft.com/office/drawing/2010/main" val="0"/>
+              </a:ext>
+            </a:extLst>
+          </a:blip>
+          <a:srcRect/>
+          <a:stretch>
+            <a:fillRect/>
+          </a:stretch>
+        </p:blipFill>
+        <p:spPr bwMode="auto">
+          <a:xfrm>
+            <a:off x="1915214" y="1131750"/>
+            <a:ext cx="4981473" cy="2700000"/>
+          </a:xfrm>
+          <a:prstGeom prst="rect">
+            <a:avLst/>
+          </a:prstGeom>
+          <a:noFill/>
+          <a:extLst>
+            <a:ext uri="{909E8E84-426E-40DD-AFC4-6F175D3DCCD1}">
+              <a14:hiddenFill xmlns:a14="http://schemas.microsoft.com/office/drawing/2010/main">
+                <a:solidFill>
+                  <a:srgbClr val="FFFFFF"/>
+                </a:solidFill>
+              </a14:hiddenFill>
+            </a:ext>
+          </a:extLst>
+        </p:spPr>
+      </p:pic>
+    </p:spTree>
+    <p:extLst>
+      <p:ext uri="{BB962C8B-B14F-4D97-AF65-F5344CB8AC3E}">
+        <p14:creationId xmlns:p14="http://schemas.microsoft.com/office/powerpoint/2010/main" val="264631267"/>
+      </p:ext>
+    </p:extLst>
+  </p:cSld>
+  <p:clrMapOvr>
+    <a:masterClrMapping/>
+  </p:clrMapOvr>
+</p:sld>
+</file>
+
+<file path=ppt/slides/slide21.xml><?xml version="1.0" encoding="utf-8"?>
+<p:sld xmlns:a="http://schemas.openxmlformats.org/drawingml/2006/main" xmlns:r="http://schemas.openxmlformats.org/officeDocument/2006/relationships" xmlns:p="http://schemas.openxmlformats.org/presentationml/2006/main">
+  <p:cSld>
+    <p:spTree>
+      <p:nvGrpSpPr>
+        <p:cNvPr id="1" name=""/>
+        <p:cNvGrpSpPr/>
+        <p:nvPr/>
+      </p:nvGrpSpPr>
+      <p:grpSpPr>
+        <a:xfrm>
+          <a:off x="0" y="0"/>
+          <a:ext cx="0" cy="0"/>
+          <a:chOff x="0" y="0"/>
+          <a:chExt cx="0" cy="0"/>
+        </a:xfrm>
+      </p:grpSpPr>
+      <p:sp>
+        <p:nvSpPr>
+          <p:cNvPr id="2" name="Tytuł 1"/>
+          <p:cNvSpPr>
+            <a:spLocks noGrp="1"/>
+          </p:cNvSpPr>
+          <p:nvPr>
+            <p:ph type="title"/>
+          </p:nvPr>
+        </p:nvSpPr>
+        <p:spPr>
+          <a:xfrm>
+            <a:off x="457200" y="627533"/>
+            <a:ext cx="8229600" cy="435695"/>
+          </a:xfrm>
+        </p:spPr>
+        <p:txBody>
+          <a:bodyPr>
+            <a:normAutofit fontScale="90000"/>
+          </a:bodyPr>
+          <a:lstStyle/>
+          <a:p>
+            <a:r>
+              <a:rPr lang="pl-PL" sz="2500" b="1" dirty="0" smtClean="0"/>
+              <a:t>GitLab</a:t>
+            </a:r>
+            <a:endParaRPr lang="pl-PL" sz="2500" b="1" dirty="0"/>
+          </a:p>
+        </p:txBody>
+      </p:sp>
+      <p:pic>
+        <p:nvPicPr>
+          <p:cNvPr id="6146" name="Picture 2" descr="G:\Tematy\Git\gitlab-tutorial\GitLab tutorial\07. GitLab New project 2.png"/>
+          <p:cNvPicPr>
+            <a:picLocks noChangeAspect="1" noChangeArrowheads="1"/>
+          </p:cNvPicPr>
+          <p:nvPr/>
+        </p:nvPicPr>
+        <p:blipFill>
+          <a:blip r:embed="rId2" cstate="print">
+            <a:extLst>
+              <a:ext uri="{28A0092B-C50C-407E-A947-70E740481C1C}">
+                <a14:useLocalDpi xmlns:a14="http://schemas.microsoft.com/office/drawing/2010/main" val="0"/>
+              </a:ext>
+            </a:extLst>
+          </a:blip>
+          <a:srcRect/>
+          <a:stretch>
+            <a:fillRect/>
+          </a:stretch>
+        </p:blipFill>
+        <p:spPr bwMode="auto">
+          <a:xfrm>
+            <a:off x="2135852" y="1221750"/>
+            <a:ext cx="4872296" cy="2700000"/>
+          </a:xfrm>
+          <a:prstGeom prst="rect">
+            <a:avLst/>
+          </a:prstGeom>
+          <a:noFill/>
+          <a:extLst>
+            <a:ext uri="{909E8E84-426E-40DD-AFC4-6F175D3DCCD1}">
+              <a14:hiddenFill xmlns:a14="http://schemas.microsoft.com/office/drawing/2010/main">
+                <a:solidFill>
+                  <a:srgbClr val="FFFFFF"/>
+                </a:solidFill>
+              </a14:hiddenFill>
+            </a:ext>
+          </a:extLst>
+        </p:spPr>
+      </p:pic>
+    </p:spTree>
+    <p:extLst>
+      <p:ext uri="{BB962C8B-B14F-4D97-AF65-F5344CB8AC3E}">
+        <p14:creationId xmlns:p14="http://schemas.microsoft.com/office/powerpoint/2010/main" val="2488274299"/>
+      </p:ext>
+    </p:extLst>
+  </p:cSld>
+  <p:clrMapOvr>
+    <a:masterClrMapping/>
+  </p:clrMapOvr>
+</p:sld>
+</file>
+
+<file path=ppt/slides/slide22.xml><?xml version="1.0" encoding="utf-8"?>
+<p:sld xmlns:a="http://schemas.openxmlformats.org/drawingml/2006/main" xmlns:r="http://schemas.openxmlformats.org/officeDocument/2006/relationships" xmlns:p="http://schemas.openxmlformats.org/presentationml/2006/main">
+  <p:cSld>
+    <p:spTree>
+      <p:nvGrpSpPr>
+        <p:cNvPr id="1" name=""/>
+        <p:cNvGrpSpPr/>
+        <p:nvPr/>
+      </p:nvGrpSpPr>
+      <p:grpSpPr>
+        <a:xfrm>
+          <a:off x="0" y="0"/>
+          <a:ext cx="0" cy="0"/>
+          <a:chOff x="0" y="0"/>
+          <a:chExt cx="0" cy="0"/>
+        </a:xfrm>
+      </p:grpSpPr>
+      <p:sp>
+        <p:nvSpPr>
+          <p:cNvPr id="2" name="Tytuł 1"/>
+          <p:cNvSpPr>
+            <a:spLocks noGrp="1"/>
+          </p:cNvSpPr>
+          <p:nvPr>
+            <p:ph type="title"/>
+          </p:nvPr>
+        </p:nvSpPr>
+        <p:spPr>
+          <a:xfrm>
+            <a:off x="457200" y="627533"/>
+            <a:ext cx="8229600" cy="435695"/>
+          </a:xfrm>
+        </p:spPr>
+        <p:txBody>
+          <a:bodyPr>
+            <a:normAutofit fontScale="90000"/>
+          </a:bodyPr>
+          <a:lstStyle/>
+          <a:p>
+            <a:r>
+              <a:rPr lang="pl-PL" sz="2500" b="1" dirty="0" smtClean="0"/>
+              <a:t>GitLab</a:t>
+            </a:r>
+            <a:endParaRPr lang="pl-PL" sz="2500" b="1" dirty="0"/>
+          </a:p>
+        </p:txBody>
+      </p:sp>
+      <p:pic>
+        <p:nvPicPr>
+          <p:cNvPr id="7170" name="Picture 2" descr="G:\Tematy\Git\gitlab-tutorial\GitLab tutorial\07. GitLab New project 3.png"/>
+          <p:cNvPicPr>
+            <a:picLocks noChangeAspect="1" noChangeArrowheads="1"/>
+          </p:cNvPicPr>
+          <p:nvPr/>
+        </p:nvPicPr>
+        <p:blipFill>
+          <a:blip r:embed="rId2" cstate="print">
+            <a:extLst>
+              <a:ext uri="{28A0092B-C50C-407E-A947-70E740481C1C}">
+                <a14:useLocalDpi xmlns:a14="http://schemas.microsoft.com/office/drawing/2010/main" val="0"/>
+              </a:ext>
+            </a:extLst>
+          </a:blip>
+          <a:srcRect/>
+          <a:stretch>
+            <a:fillRect/>
+          </a:stretch>
+        </p:blipFill>
+        <p:spPr bwMode="auto">
+          <a:xfrm>
+            <a:off x="2137909" y="1221750"/>
+            <a:ext cx="4868182" cy="2700000"/>
+          </a:xfrm>
+          <a:prstGeom prst="rect">
+            <a:avLst/>
+          </a:prstGeom>
+          <a:noFill/>
+          <a:extLst>
+            <a:ext uri="{909E8E84-426E-40DD-AFC4-6F175D3DCCD1}">
+              <a14:hiddenFill xmlns:a14="http://schemas.microsoft.com/office/drawing/2010/main">
+                <a:solidFill>
+                  <a:srgbClr val="FFFFFF"/>
+                </a:solidFill>
+              </a14:hiddenFill>
+            </a:ext>
+          </a:extLst>
+        </p:spPr>
+      </p:pic>
+    </p:spTree>
+    <p:extLst>
+      <p:ext uri="{BB962C8B-B14F-4D97-AF65-F5344CB8AC3E}">
+        <p14:creationId xmlns:p14="http://schemas.microsoft.com/office/powerpoint/2010/main" val="170627543"/>
+      </p:ext>
+    </p:extLst>
+  </p:cSld>
+  <p:clrMapOvr>
+    <a:masterClrMapping/>
+  </p:clrMapOvr>
+</p:sld>
+</file>
+
+<file path=ppt/slides/slide23.xml><?xml version="1.0" encoding="utf-8"?>
+<p:sld xmlns:a="http://schemas.openxmlformats.org/drawingml/2006/main" xmlns:r="http://schemas.openxmlformats.org/officeDocument/2006/relationships" xmlns:p="http://schemas.openxmlformats.org/presentationml/2006/main">
+  <p:cSld>
+    <p:spTree>
+      <p:nvGrpSpPr>
+        <p:cNvPr id="1" name=""/>
+        <p:cNvGrpSpPr/>
+        <p:nvPr/>
+      </p:nvGrpSpPr>
+      <p:grpSpPr>
+        <a:xfrm>
+          <a:off x="0" y="0"/>
+          <a:ext cx="0" cy="0"/>
+          <a:chOff x="0" y="0"/>
+          <a:chExt cx="0" cy="0"/>
+        </a:xfrm>
+      </p:grpSpPr>
+      <p:sp>
+        <p:nvSpPr>
+          <p:cNvPr id="2" name="Tytuł 1"/>
+          <p:cNvSpPr>
+            <a:spLocks noGrp="1"/>
+          </p:cNvSpPr>
+          <p:nvPr>
+            <p:ph type="title"/>
+          </p:nvPr>
+        </p:nvSpPr>
+        <p:spPr>
+          <a:xfrm>
+            <a:off x="457200" y="627533"/>
+            <a:ext cx="8229600" cy="435695"/>
+          </a:xfrm>
+        </p:spPr>
+        <p:txBody>
+          <a:bodyPr>
+            <a:normAutofit fontScale="90000"/>
+          </a:bodyPr>
+          <a:lstStyle/>
+          <a:p>
+            <a:r>
+              <a:rPr lang="pl-PL" sz="2500" b="1" dirty="0" smtClean="0"/>
+              <a:t>GitLab</a:t>
+            </a:r>
+            <a:endParaRPr lang="pl-PL" sz="2500" b="1" dirty="0"/>
+          </a:p>
+        </p:txBody>
+      </p:sp>
+      <p:pic>
+        <p:nvPicPr>
+          <p:cNvPr id="8194" name="Picture 2" descr="G:\Tematy\Git\gitlab-tutorial\GitLab tutorial\07. GitLab New project 4.png"/>
+          <p:cNvPicPr>
+            <a:picLocks noChangeAspect="1" noChangeArrowheads="1"/>
+          </p:cNvPicPr>
+          <p:nvPr/>
+        </p:nvPicPr>
+        <p:blipFill>
+          <a:blip r:embed="rId2" cstate="print">
+            <a:extLst>
+              <a:ext uri="{28A0092B-C50C-407E-A947-70E740481C1C}">
+                <a14:useLocalDpi xmlns:a14="http://schemas.microsoft.com/office/drawing/2010/main" val="0"/>
+              </a:ext>
+            </a:extLst>
+          </a:blip>
+          <a:srcRect/>
+          <a:stretch>
+            <a:fillRect/>
+          </a:stretch>
+        </p:blipFill>
+        <p:spPr bwMode="auto">
+          <a:xfrm>
+            <a:off x="2234705" y="1221750"/>
+            <a:ext cx="4674590" cy="2700000"/>
+          </a:xfrm>
+          <a:prstGeom prst="rect">
+            <a:avLst/>
+          </a:prstGeom>
+          <a:noFill/>
+          <a:extLst>
+            <a:ext uri="{909E8E84-426E-40DD-AFC4-6F175D3DCCD1}">
+              <a14:hiddenFill xmlns:a14="http://schemas.microsoft.com/office/drawing/2010/main">
+                <a:solidFill>
+                  <a:srgbClr val="FFFFFF"/>
+                </a:solidFill>
+              </a14:hiddenFill>
+            </a:ext>
+          </a:extLst>
+        </p:spPr>
+      </p:pic>
+    </p:spTree>
+    <p:extLst>
+      <p:ext uri="{BB962C8B-B14F-4D97-AF65-F5344CB8AC3E}">
+        <p14:creationId xmlns:p14="http://schemas.microsoft.com/office/powerpoint/2010/main" val="1889626726"/>
+      </p:ext>
+    </p:extLst>
+  </p:cSld>
+  <p:clrMapOvr>
+    <a:masterClrMapping/>
+  </p:clrMapOvr>
+</p:sld>
+</file>
+
+<file path=ppt/slides/slide24.xml><?xml version="1.0" encoding="utf-8"?>
+<p:sld xmlns:a="http://schemas.openxmlformats.org/drawingml/2006/main" xmlns:r="http://schemas.openxmlformats.org/officeDocument/2006/relationships" xmlns:p="http://schemas.openxmlformats.org/presentationml/2006/main">
+  <p:cSld>
+    <p:spTree>
+      <p:nvGrpSpPr>
+        <p:cNvPr id="1" name=""/>
+        <p:cNvGrpSpPr/>
+        <p:nvPr/>
+      </p:nvGrpSpPr>
+      <p:grpSpPr>
+        <a:xfrm>
+          <a:off x="0" y="0"/>
+          <a:ext cx="0" cy="0"/>
+          <a:chOff x="0" y="0"/>
+          <a:chExt cx="0" cy="0"/>
+        </a:xfrm>
+      </p:grpSpPr>
+      <p:sp>
+        <p:nvSpPr>
+          <p:cNvPr id="2" name="Tytuł 1"/>
+          <p:cNvSpPr>
+            <a:spLocks noGrp="1"/>
+          </p:cNvSpPr>
+          <p:nvPr>
+            <p:ph type="title"/>
+          </p:nvPr>
+        </p:nvSpPr>
+        <p:spPr>
+          <a:xfrm>
+            <a:off x="457200" y="627533"/>
+            <a:ext cx="8229600" cy="435695"/>
+          </a:xfrm>
+        </p:spPr>
+        <p:txBody>
+          <a:bodyPr>
+            <a:normAutofit fontScale="90000"/>
+          </a:bodyPr>
+          <a:lstStyle/>
+          <a:p>
+            <a:r>
+              <a:rPr lang="pl-PL" sz="2500" b="1" dirty="0" smtClean="0"/>
+              <a:t>GitLab</a:t>
+            </a:r>
+            <a:endParaRPr lang="pl-PL" sz="2500" b="1" dirty="0"/>
+          </a:p>
+        </p:txBody>
+      </p:sp>
+      <p:pic>
+        <p:nvPicPr>
+          <p:cNvPr id="11266" name="Picture 2" descr="G:\Tematy\Git\gitlab-tutorial\GitLab tutorial\12. GitLab Project.png"/>
+          <p:cNvPicPr>
+            <a:picLocks noChangeAspect="1" noChangeArrowheads="1"/>
+          </p:cNvPicPr>
+          <p:nvPr/>
+        </p:nvPicPr>
+        <p:blipFill>
+          <a:blip r:embed="rId2" cstate="print">
+            <a:extLst>
+              <a:ext uri="{28A0092B-C50C-407E-A947-70E740481C1C}">
+                <a14:useLocalDpi xmlns:a14="http://schemas.microsoft.com/office/drawing/2010/main" val="0"/>
+              </a:ext>
+            </a:extLst>
+          </a:blip>
+          <a:srcRect/>
+          <a:stretch>
+            <a:fillRect/>
+          </a:stretch>
+        </p:blipFill>
+        <p:spPr bwMode="auto">
+          <a:xfrm>
+            <a:off x="2172000" y="1221750"/>
+            <a:ext cx="4800000" cy="2700000"/>
+          </a:xfrm>
+          <a:prstGeom prst="rect">
+            <a:avLst/>
+          </a:prstGeom>
+          <a:noFill/>
+          <a:extLst>
+            <a:ext uri="{909E8E84-426E-40DD-AFC4-6F175D3DCCD1}">
+              <a14:hiddenFill xmlns:a14="http://schemas.microsoft.com/office/drawing/2010/main">
+                <a:solidFill>
+                  <a:srgbClr val="FFFFFF"/>
+                </a:solidFill>
+              </a14:hiddenFill>
+            </a:ext>
+          </a:extLst>
+        </p:spPr>
+      </p:pic>
+    </p:spTree>
+    <p:extLst>
+      <p:ext uri="{BB962C8B-B14F-4D97-AF65-F5344CB8AC3E}">
+        <p14:creationId xmlns:p14="http://schemas.microsoft.com/office/powerpoint/2010/main" val="3023918268"/>
+      </p:ext>
+    </p:extLst>
+  </p:cSld>
+  <p:clrMapOvr>
+    <a:masterClrMapping/>
+  </p:clrMapOvr>
+</p:sld>
+</file>
+
+<file path=ppt/slides/slide25.xml><?xml version="1.0" encoding="utf-8"?>
+<p:sld xmlns:a="http://schemas.openxmlformats.org/drawingml/2006/main" xmlns:r="http://schemas.openxmlformats.org/officeDocument/2006/relationships" xmlns:p="http://schemas.openxmlformats.org/presentationml/2006/main">
+  <p:cSld>
+    <p:spTree>
+      <p:nvGrpSpPr>
+        <p:cNvPr id="1" name=""/>
+        <p:cNvGrpSpPr/>
+        <p:nvPr/>
+      </p:nvGrpSpPr>
+      <p:grpSpPr>
+        <a:xfrm>
+          <a:off x="0" y="0"/>
+          <a:ext cx="0" cy="0"/>
+          <a:chOff x="0" y="0"/>
+          <a:chExt cx="0" cy="0"/>
+        </a:xfrm>
+      </p:grpSpPr>
+      <p:sp>
+        <p:nvSpPr>
+          <p:cNvPr id="2" name="Tytuł 1"/>
+          <p:cNvSpPr>
+            <a:spLocks noGrp="1"/>
+          </p:cNvSpPr>
+          <p:nvPr>
+            <p:ph type="title"/>
+          </p:nvPr>
+        </p:nvSpPr>
+        <p:spPr>
+          <a:xfrm>
+            <a:off x="457200" y="627533"/>
+            <a:ext cx="8229600" cy="435695"/>
+          </a:xfrm>
+        </p:spPr>
+        <p:txBody>
+          <a:bodyPr>
+            <a:normAutofit fontScale="90000"/>
+          </a:bodyPr>
+          <a:lstStyle/>
+          <a:p>
+            <a:r>
+              <a:rPr lang="pl-PL" sz="2500" b="1" dirty="0" smtClean="0"/>
+              <a:t>GitLab</a:t>
+            </a:r>
+            <a:endParaRPr lang="pl-PL" sz="2500" b="1" dirty="0"/>
+          </a:p>
+        </p:txBody>
+      </p:sp>
+      <p:pic>
+        <p:nvPicPr>
+          <p:cNvPr id="9219" name="Picture 3" descr="G:\Tematy\Git\gitlab-tutorial\GitLab tutorial\14. GitLab Groups.png"/>
+          <p:cNvPicPr>
+            <a:picLocks noChangeAspect="1" noChangeArrowheads="1"/>
+          </p:cNvPicPr>
+          <p:nvPr/>
+        </p:nvPicPr>
+        <p:blipFill>
+          <a:blip r:embed="rId2" cstate="print">
+            <a:extLst>
+              <a:ext uri="{28A0092B-C50C-407E-A947-70E740481C1C}">
+                <a14:useLocalDpi xmlns:a14="http://schemas.microsoft.com/office/drawing/2010/main" val="0"/>
+              </a:ext>
+            </a:extLst>
+          </a:blip>
+          <a:srcRect/>
+          <a:stretch>
+            <a:fillRect/>
+          </a:stretch>
+        </p:blipFill>
+        <p:spPr bwMode="auto">
+          <a:xfrm>
+            <a:off x="2172000" y="1221750"/>
+            <a:ext cx="4800000" cy="2700000"/>
+          </a:xfrm>
+          <a:prstGeom prst="rect">
+            <a:avLst/>
+          </a:prstGeom>
+          <a:noFill/>
+          <a:extLst>
+            <a:ext uri="{909E8E84-426E-40DD-AFC4-6F175D3DCCD1}">
+              <a14:hiddenFill xmlns:a14="http://schemas.microsoft.com/office/drawing/2010/main">
+                <a:solidFill>
+                  <a:srgbClr val="FFFFFF"/>
+                </a:solidFill>
+              </a14:hiddenFill>
+            </a:ext>
+          </a:extLst>
+        </p:spPr>
+      </p:pic>
+    </p:spTree>
+    <p:extLst>
+      <p:ext uri="{BB962C8B-B14F-4D97-AF65-F5344CB8AC3E}">
+        <p14:creationId xmlns:p14="http://schemas.microsoft.com/office/powerpoint/2010/main" val="2910869249"/>
+      </p:ext>
+    </p:extLst>
+  </p:cSld>
+  <p:clrMapOvr>
+    <a:masterClrMapping/>
+  </p:clrMapOvr>
+</p:sld>
+</file>
+
+<file path=ppt/slides/slide26.xml><?xml version="1.0" encoding="utf-8"?>
+<p:sld xmlns:a="http://schemas.openxmlformats.org/drawingml/2006/main" xmlns:r="http://schemas.openxmlformats.org/officeDocument/2006/relationships" xmlns:p="http://schemas.openxmlformats.org/presentationml/2006/main">
+  <p:cSld>
+    <p:spTree>
+      <p:nvGrpSpPr>
+        <p:cNvPr id="1" name=""/>
+        <p:cNvGrpSpPr/>
+        <p:nvPr/>
+      </p:nvGrpSpPr>
+      <p:grpSpPr>
+        <a:xfrm>
+          <a:off x="0" y="0"/>
+          <a:ext cx="0" cy="0"/>
+          <a:chOff x="0" y="0"/>
+          <a:chExt cx="0" cy="0"/>
+        </a:xfrm>
+      </p:grpSpPr>
+      <p:sp>
+        <p:nvSpPr>
+          <p:cNvPr id="2" name="Tytuł 1"/>
+          <p:cNvSpPr>
+            <a:spLocks noGrp="1"/>
+          </p:cNvSpPr>
+          <p:nvPr>
+            <p:ph type="title"/>
+          </p:nvPr>
+        </p:nvSpPr>
+        <p:spPr>
+          <a:xfrm>
+            <a:off x="457200" y="627533"/>
+            <a:ext cx="8229600" cy="435695"/>
+          </a:xfrm>
+        </p:spPr>
+        <p:txBody>
+          <a:bodyPr>
+            <a:normAutofit fontScale="90000"/>
+          </a:bodyPr>
+          <a:lstStyle/>
+          <a:p>
+            <a:r>
+              <a:rPr lang="pl-PL" sz="2500" b="1" dirty="0" smtClean="0"/>
+              <a:t>GitLab</a:t>
+            </a:r>
+            <a:endParaRPr lang="pl-PL" sz="2500" b="1" dirty="0"/>
+          </a:p>
+        </p:txBody>
+      </p:sp>
+      <p:pic>
+        <p:nvPicPr>
+          <p:cNvPr id="10242" name="Picture 2" descr="G:\Tematy\Git\gitlab-tutorial\GitLab tutorial\15. GitLab Group.png"/>
+          <p:cNvPicPr>
+            <a:picLocks noChangeAspect="1" noChangeArrowheads="1"/>
+          </p:cNvPicPr>
+          <p:nvPr/>
+        </p:nvPicPr>
+        <p:blipFill>
+          <a:blip r:embed="rId2" cstate="print">
+            <a:extLst>
+              <a:ext uri="{28A0092B-C50C-407E-A947-70E740481C1C}">
+                <a14:useLocalDpi xmlns:a14="http://schemas.microsoft.com/office/drawing/2010/main" val="0"/>
+              </a:ext>
+            </a:extLst>
+          </a:blip>
+          <a:srcRect/>
+          <a:stretch>
+            <a:fillRect/>
+          </a:stretch>
+        </p:blipFill>
+        <p:spPr bwMode="auto">
+          <a:xfrm>
+            <a:off x="2172000" y="1221750"/>
+            <a:ext cx="4800000" cy="2700000"/>
+          </a:xfrm>
+          <a:prstGeom prst="rect">
+            <a:avLst/>
+          </a:prstGeom>
+          <a:noFill/>
+          <a:extLst>
+            <a:ext uri="{909E8E84-426E-40DD-AFC4-6F175D3DCCD1}">
+              <a14:hiddenFill xmlns:a14="http://schemas.microsoft.com/office/drawing/2010/main">
+                <a:solidFill>
+                  <a:srgbClr val="FFFFFF"/>
+                </a:solidFill>
+              </a14:hiddenFill>
+            </a:ext>
+          </a:extLst>
+        </p:spPr>
+      </p:pic>
+    </p:spTree>
+    <p:extLst>
+      <p:ext uri="{BB962C8B-B14F-4D97-AF65-F5344CB8AC3E}">
+        <p14:creationId xmlns:p14="http://schemas.microsoft.com/office/powerpoint/2010/main" val="2774939859"/>
+      </p:ext>
+    </p:extLst>
+  </p:cSld>
+  <p:clrMapOvr>
+    <a:masterClrMapping/>
+  </p:clrMapOvr>
+</p:sld>
+</file>
+
+<file path=ppt/slides/slide27.xml><?xml version="1.0" encoding="utf-8"?>
+<p:sld xmlns:a="http://schemas.openxmlformats.org/drawingml/2006/main" xmlns:r="http://schemas.openxmlformats.org/officeDocument/2006/relationships" xmlns:p="http://schemas.openxmlformats.org/presentationml/2006/main">
+  <p:cSld>
+    <p:spTree>
+      <p:nvGrpSpPr>
+        <p:cNvPr id="1" name=""/>
+        <p:cNvGrpSpPr/>
+        <p:nvPr/>
+      </p:nvGrpSpPr>
+      <p:grpSpPr>
+        <a:xfrm>
+          <a:off x="0" y="0"/>
+          <a:ext cx="0" cy="0"/>
+          <a:chOff x="0" y="0"/>
+          <a:chExt cx="0" cy="0"/>
+        </a:xfrm>
+      </p:grpSpPr>
+      <p:sp>
+        <p:nvSpPr>
           <p:cNvPr id="3" name="Symbol zastępczy zawartości 2"/>
           <p:cNvSpPr>
             <a:spLocks noGrp="1"/>
@@ -4718,7 +6067,7 @@
 </p:sld>
 </file>
 
-<file path=ppt/slides/slide17.xml><?xml version="1.0" encoding="utf-8"?>
+<file path=ppt/slides/slide28.xml><?xml version="1.0" encoding="utf-8"?>
 <p:sld xmlns:a="http://schemas.openxmlformats.org/drawingml/2006/main" xmlns:r="http://schemas.openxmlformats.org/officeDocument/2006/relationships" xmlns:p="http://schemas.openxmlformats.org/presentationml/2006/main">
   <p:cSld>
     <p:bg>
@@ -4979,109 +6328,6 @@
       </p:par>
     </p:tnLst>
   </p:timing>
-</p:sld>
-</file>
-
-<file path=ppt/slides/slide2.xml><?xml version="1.0" encoding="utf-8"?>
-<p:sld xmlns:a="http://schemas.openxmlformats.org/drawingml/2006/main" xmlns:r="http://schemas.openxmlformats.org/officeDocument/2006/relationships" xmlns:p="http://schemas.openxmlformats.org/presentationml/2006/main">
-  <p:cSld>
-    <p:spTree>
-      <p:nvGrpSpPr>
-        <p:cNvPr id="1" name=""/>
-        <p:cNvGrpSpPr/>
-        <p:nvPr/>
-      </p:nvGrpSpPr>
-      <p:grpSpPr>
-        <a:xfrm>
-          <a:off x="0" y="0"/>
-          <a:ext cx="0" cy="0"/>
-          <a:chOff x="0" y="0"/>
-          <a:chExt cx="0" cy="0"/>
-        </a:xfrm>
-      </p:grpSpPr>
-      <p:sp>
-        <p:nvSpPr>
-          <p:cNvPr id="3" name="Symbol zastępczy zawartości 2"/>
-          <p:cNvSpPr>
-            <a:spLocks noGrp="1"/>
-          </p:cNvSpPr>
-          <p:nvPr>
-            <p:ph idx="1"/>
-          </p:nvPr>
-        </p:nvSpPr>
-        <p:spPr/>
-        <p:txBody>
-          <a:bodyPr>
-            <a:normAutofit/>
-          </a:bodyPr>
-          <a:lstStyle/>
-          <a:p>
-            <a:pPr marL="0" indent="0">
-              <a:buNone/>
-            </a:pPr>
-            <a:r>
-              <a:rPr lang="pl-PL" sz="1800" b="1" dirty="0" smtClean="0"/>
-              <a:t>Software Development Life </a:t>
-            </a:r>
-            <a:r>
-              <a:rPr lang="pl-PL" sz="1800" b="1" dirty="0" err="1" smtClean="0"/>
-              <a:t>Cycle</a:t>
-            </a:r>
-            <a:endParaRPr lang="pl-PL" sz="1800" b="1" dirty="0" smtClean="0"/>
-          </a:p>
-        </p:txBody>
-      </p:sp>
-      <p:pic>
-        <p:nvPicPr>
-          <p:cNvPr id="4" name="Picture 4" descr="DevOps and Agile Methodologies in your Software Development Life Cycle –  Denken Solutions — Blog"/>
-          <p:cNvPicPr>
-            <a:picLocks noChangeAspect="1" noChangeArrowheads="1"/>
-          </p:cNvPicPr>
-          <p:nvPr/>
-        </p:nvPicPr>
-        <p:blipFill>
-          <a:blip r:embed="rId2" cstate="print">
-            <a:extLst>
-              <a:ext uri="{28A0092B-C50C-407E-A947-70E740481C1C}">
-                <a14:useLocalDpi xmlns:a14="http://schemas.microsoft.com/office/drawing/2010/main" val="0"/>
-              </a:ext>
-            </a:extLst>
-          </a:blip>
-          <a:srcRect/>
-          <a:stretch>
-            <a:fillRect/>
-          </a:stretch>
-        </p:blipFill>
-        <p:spPr bwMode="auto">
-          <a:xfrm>
-            <a:off x="2421685" y="1851670"/>
-            <a:ext cx="4300630" cy="2808312"/>
-          </a:xfrm>
-          <a:prstGeom prst="rect">
-            <a:avLst/>
-          </a:prstGeom>
-          <a:noFill/>
-          <a:extLst>
-            <a:ext uri="{909E8E84-426E-40DD-AFC4-6F175D3DCCD1}">
-              <a14:hiddenFill xmlns:a14="http://schemas.microsoft.com/office/drawing/2010/main">
-                <a:solidFill>
-                  <a:srgbClr val="FFFFFF"/>
-                </a:solidFill>
-              </a14:hiddenFill>
-            </a:ext>
-          </a:extLst>
-        </p:spPr>
-      </p:pic>
-    </p:spTree>
-    <p:extLst>
-      <p:ext uri="{BB962C8B-B14F-4D97-AF65-F5344CB8AC3E}">
-        <p14:creationId xmlns:p14="http://schemas.microsoft.com/office/powerpoint/2010/main" val="3888019347"/>
-      </p:ext>
-    </p:extLst>
-  </p:cSld>
-  <p:clrMapOvr>
-    <a:masterClrMapping/>
-  </p:clrMapOvr>
 </p:sld>
 </file>
 
@@ -5595,181 +6841,58 @@
           <a:lstStyle/>
           <a:p>
             <a:r>
-              <a:rPr lang="pl-PL" sz="2800" dirty="0" smtClean="0"/>
-              <a:t>Słownik</a:t>
-            </a:r>
-            <a:endParaRPr lang="pl-PL" dirty="0"/>
-          </a:p>
-        </p:txBody>
-      </p:sp>
-      <p:sp>
-        <p:nvSpPr>
-          <p:cNvPr id="3" name="Symbol zastępczy zawartości 2"/>
-          <p:cNvSpPr>
-            <a:spLocks noGrp="1"/>
-          </p:cNvSpPr>
-          <p:nvPr>
-            <p:ph idx="1"/>
-          </p:nvPr>
-        </p:nvSpPr>
-        <p:spPr/>
-        <p:txBody>
-          <a:bodyPr>
-            <a:normAutofit/>
-          </a:bodyPr>
-          <a:lstStyle/>
-          <a:p>
-            <a:pPr marL="0" indent="0">
-              <a:buNone/>
-            </a:pPr>
-            <a:r>
-              <a:rPr lang="pl-PL" sz="1000" b="1" dirty="0" err="1" smtClean="0"/>
-              <a:t>Pipeline</a:t>
-            </a:r>
-            <a:r>
-              <a:rPr lang="pl-PL" sz="1000" b="1" dirty="0" smtClean="0"/>
-              <a:t> CI/CD</a:t>
-            </a:r>
-            <a:r>
-              <a:rPr lang="pl-PL" sz="1000" dirty="0" smtClean="0"/>
-              <a:t> – potok </a:t>
-            </a:r>
-            <a:r>
-              <a:rPr lang="pl-PL" sz="1000" i="1" dirty="0" err="1"/>
-              <a:t>Continuous</a:t>
-            </a:r>
-            <a:r>
-              <a:rPr lang="pl-PL" sz="1000" i="1" dirty="0"/>
-              <a:t> Integration</a:t>
-            </a:r>
-            <a:r>
-              <a:rPr lang="pl-PL" sz="1000" dirty="0"/>
-              <a:t> i </a:t>
-            </a:r>
-            <a:r>
-              <a:rPr lang="pl-PL" sz="1000" i="1" dirty="0" err="1"/>
-              <a:t>Continuous</a:t>
-            </a:r>
-            <a:r>
-              <a:rPr lang="pl-PL" sz="1000" i="1" dirty="0"/>
-              <a:t> </a:t>
-            </a:r>
-            <a:r>
-              <a:rPr lang="pl-PL" sz="1000" i="1" dirty="0" smtClean="0"/>
-              <a:t>Delivery</a:t>
-            </a:r>
-            <a:r>
-              <a:rPr lang="pl-PL" sz="1000" b="1" dirty="0" smtClean="0"/>
-              <a:t>. </a:t>
-            </a:r>
-          </a:p>
-          <a:p>
-            <a:pPr marL="0" indent="360363">
-              <a:buNone/>
-            </a:pPr>
-            <a:r>
-              <a:rPr lang="pl-PL" sz="1000" dirty="0" smtClean="0"/>
-              <a:t>Jest to proces rozwijania oprogramowania składający się z szeregu następujących po sobie, zazwyczaj zautomatyzowanych,</a:t>
-            </a:r>
-            <a:br>
-              <a:rPr lang="pl-PL" sz="1000" dirty="0" smtClean="0"/>
-            </a:br>
-            <a:r>
-              <a:rPr lang="pl-PL" sz="1000" dirty="0" smtClean="0"/>
-              <a:t>działań. Zazwyczaj </a:t>
-            </a:r>
-            <a:r>
-              <a:rPr lang="pl-PL" sz="1000" dirty="0"/>
-              <a:t>CI kojarzone jest z pracą nad programowaniem, natomiast CD to raczej zadanie administratora. W rzeczywistości są to kolejne, następujące po sobie zautomatyzowane etapy procesu tworzenia oprogramowania, który obejmuje nie tylko samo kodowanie, ale także przeniesienie aplikacji do środowiska testowego czy dostarczenie działającej aplikacji klientowi.</a:t>
-            </a:r>
-            <a:endParaRPr lang="pl-PL" sz="1000" dirty="0" smtClean="0"/>
-          </a:p>
-          <a:p>
-            <a:pPr marL="0" indent="0">
-              <a:buNone/>
-            </a:pPr>
-            <a:endParaRPr lang="pl-PL" sz="1000" dirty="0" smtClean="0"/>
-          </a:p>
-          <a:p>
-            <a:pPr marL="0" indent="0">
-              <a:buNone/>
-              <a:tabLst>
-                <a:tab pos="1522413" algn="l"/>
-              </a:tabLst>
-            </a:pPr>
-            <a:r>
-              <a:rPr lang="pl-PL" sz="1000" b="1" dirty="0" err="1"/>
-              <a:t>Continuous</a:t>
-            </a:r>
-            <a:r>
-              <a:rPr lang="pl-PL" sz="1000" b="1" dirty="0"/>
-              <a:t> </a:t>
-            </a:r>
-            <a:r>
-              <a:rPr lang="pl-PL" sz="1000" b="1" dirty="0" err="1" smtClean="0"/>
-              <a:t>integration</a:t>
-            </a:r>
-            <a:r>
-              <a:rPr lang="pl-PL" sz="1000" dirty="0" smtClean="0"/>
-              <a:t> - ciągła </a:t>
-            </a:r>
-            <a:r>
-              <a:rPr lang="pl-PL" sz="1000" dirty="0"/>
-              <a:t>integracja to nieustanne, automatyczne buildowanie programu na dedykowanym serwerze po każdym 	</a:t>
-            </a:r>
-            <a:r>
-              <a:rPr lang="pl-PL" sz="1000" dirty="0" smtClean="0"/>
-              <a:t>commicie</a:t>
-            </a:r>
-            <a:r>
-              <a:rPr lang="pl-PL" sz="1000" dirty="0"/>
-              <a:t>. </a:t>
-            </a:r>
-            <a:endParaRPr lang="pl-PL" sz="1000" dirty="0" smtClean="0"/>
-          </a:p>
-          <a:p>
-            <a:pPr marL="0" indent="0">
-              <a:buNone/>
-              <a:tabLst>
-                <a:tab pos="1522413" algn="l"/>
-              </a:tabLst>
-            </a:pPr>
-            <a:endParaRPr lang="pl-PL" sz="1000" dirty="0" smtClean="0"/>
-          </a:p>
-          <a:p>
-            <a:pPr marL="0" indent="0">
-              <a:buNone/>
-              <a:tabLst>
-                <a:tab pos="1522413" algn="l"/>
-              </a:tabLst>
-            </a:pPr>
-            <a:r>
-              <a:rPr lang="pl-PL" sz="1000" b="1" dirty="0" err="1"/>
-              <a:t>Continuous</a:t>
-            </a:r>
-            <a:r>
-              <a:rPr lang="pl-PL" sz="1000" b="1" dirty="0"/>
-              <a:t> Delivery</a:t>
-            </a:r>
-            <a:r>
-              <a:rPr lang="pl-PL" sz="1000" dirty="0"/>
-              <a:t>  - ciągłe dostarczanie polega na automatycznym dostarczaniu działającej wersji programu do ostatniego środowiska </a:t>
-            </a:r>
-            <a:r>
-              <a:rPr lang="pl-PL" sz="1000" dirty="0" smtClean="0"/>
-              <a:t>	przed </a:t>
-            </a:r>
-            <a:r>
-              <a:rPr lang="pl-PL" sz="1000" dirty="0"/>
-              <a:t>produkcją.</a:t>
-            </a:r>
-          </a:p>
-        </p:txBody>
-      </p:sp>
+              <a:rPr lang="pl-PL" sz="2400" b="1" dirty="0" smtClean="0"/>
+              <a:t>CI/CD w GitLab</a:t>
+            </a:r>
+            <a:endParaRPr lang="pl-PL" sz="2500" b="1" dirty="0"/>
+          </a:p>
+        </p:txBody>
+      </p:sp>
+      <p:pic>
+        <p:nvPicPr>
+          <p:cNvPr id="1028" name="Picture 4" descr="Wdrażanie aplikacji przy użyciu Gitlab CI / CD w zarządzanym klastrze  Kubernetes w GCP"/>
+          <p:cNvPicPr>
+            <a:picLocks noChangeAspect="1" noChangeArrowheads="1"/>
+          </p:cNvPicPr>
+          <p:nvPr/>
+        </p:nvPicPr>
+        <p:blipFill>
+          <a:blip r:embed="rId2">
+            <a:extLst>
+              <a:ext uri="{28A0092B-C50C-407E-A947-70E740481C1C}">
+                <a14:useLocalDpi xmlns:a14="http://schemas.microsoft.com/office/drawing/2010/main" val="0"/>
+              </a:ext>
+            </a:extLst>
+          </a:blip>
+          <a:srcRect/>
+          <a:stretch>
+            <a:fillRect/>
+          </a:stretch>
+        </p:blipFill>
+        <p:spPr bwMode="auto">
+          <a:xfrm>
+            <a:off x="1940261" y="1491630"/>
+            <a:ext cx="5263478" cy="2982095"/>
+          </a:xfrm>
+          <a:prstGeom prst="rect">
+            <a:avLst/>
+          </a:prstGeom>
+          <a:noFill/>
+          <a:extLst>
+            <a:ext uri="{909E8E84-426E-40DD-AFC4-6F175D3DCCD1}">
+              <a14:hiddenFill xmlns:a14="http://schemas.microsoft.com/office/drawing/2010/main">
+                <a:solidFill>
+                  <a:srgbClr val="FFFFFF"/>
+                </a:solidFill>
+              </a14:hiddenFill>
+            </a:ext>
+          </a:extLst>
+        </p:spPr>
+      </p:pic>
     </p:spTree>
     <p:extLst>
       <p:ext uri="{BB962C8B-B14F-4D97-AF65-F5344CB8AC3E}">
-        <p14:creationId xmlns:p14="http://schemas.microsoft.com/office/powerpoint/2010/main" val="80066642"/>
+        <p14:creationId xmlns:p14="http://schemas.microsoft.com/office/powerpoint/2010/main" val="932160166"/>
       </p:ext>
     </p:extLst>
   </p:cSld>
@@ -5819,114 +6942,173 @@
           <a:lstStyle/>
           <a:p>
             <a:r>
-              <a:rPr lang="pl-PL" sz="2500" b="1" dirty="0" err="1"/>
+              <a:rPr lang="pl-PL" sz="2800" dirty="0" smtClean="0"/>
+              <a:t>Słownik</a:t>
+            </a:r>
+            <a:endParaRPr lang="pl-PL" dirty="0"/>
+          </a:p>
+        </p:txBody>
+      </p:sp>
+      <p:sp>
+        <p:nvSpPr>
+          <p:cNvPr id="3" name="Symbol zastępczy zawartości 2"/>
+          <p:cNvSpPr>
+            <a:spLocks noGrp="1"/>
+          </p:cNvSpPr>
+          <p:nvPr>
+            <p:ph idx="1"/>
+          </p:nvPr>
+        </p:nvSpPr>
+        <p:spPr/>
+        <p:txBody>
+          <a:bodyPr>
+            <a:normAutofit/>
+          </a:bodyPr>
+          <a:lstStyle/>
+          <a:p>
+            <a:pPr marL="0" indent="0">
+              <a:buNone/>
+            </a:pPr>
+            <a:r>
+              <a:rPr lang="pl-PL" sz="1000" b="1" dirty="0" err="1" smtClean="0"/>
+              <a:t>Pipeline</a:t>
+            </a:r>
+            <a:r>
+              <a:rPr lang="pl-PL" sz="1000" b="1" dirty="0" smtClean="0"/>
+              <a:t> CI/CD</a:t>
+            </a:r>
+            <a:r>
+              <a:rPr lang="pl-PL" sz="1000" dirty="0" smtClean="0"/>
+              <a:t> – potok </a:t>
+            </a:r>
+            <a:r>
+              <a:rPr lang="pl-PL" sz="1000" i="1" dirty="0" err="1"/>
               <a:t>Continuous</a:t>
             </a:r>
             <a:r>
-              <a:rPr lang="pl-PL" sz="2500" b="1" dirty="0"/>
+              <a:rPr lang="pl-PL" sz="1000" i="1" dirty="0"/>
+              <a:t> Integration</a:t>
+            </a:r>
+            <a:r>
+              <a:rPr lang="pl-PL" sz="1000" dirty="0"/>
+              <a:t> i </a:t>
+            </a:r>
+            <a:r>
+              <a:rPr lang="pl-PL" sz="1000" i="1" dirty="0" err="1"/>
+              <a:t>Continuous</a:t>
+            </a:r>
+            <a:r>
+              <a:rPr lang="pl-PL" sz="1000" i="1" dirty="0"/>
               <a:t> </a:t>
             </a:r>
             <a:r>
-              <a:rPr lang="pl-PL" sz="2500" b="1" dirty="0" err="1"/>
+              <a:rPr lang="pl-PL" sz="1000" i="1" dirty="0" smtClean="0"/>
+              <a:t>Delivery</a:t>
+            </a:r>
+            <a:r>
+              <a:rPr lang="pl-PL" sz="1000" b="1" dirty="0" smtClean="0"/>
+              <a:t>. </a:t>
+            </a:r>
+          </a:p>
+          <a:p>
+            <a:pPr marL="0" indent="360363">
+              <a:buNone/>
+            </a:pPr>
+            <a:r>
+              <a:rPr lang="pl-PL" sz="1000" dirty="0" smtClean="0"/>
+              <a:t>Jest to proces rozwijania oprogramowania składający się z szeregu następujących po sobie, zazwyczaj zautomatyzowanych,</a:t>
+            </a:r>
+            <a:br>
+              <a:rPr lang="pl-PL" sz="1000" dirty="0" smtClean="0"/>
+            </a:br>
+            <a:r>
+              <a:rPr lang="pl-PL" sz="1000" dirty="0" smtClean="0"/>
+              <a:t>działań. Zazwyczaj </a:t>
+            </a:r>
+            <a:r>
+              <a:rPr lang="pl-PL" sz="1000" dirty="0"/>
+              <a:t>CI kojarzone jest z pracą nad programowaniem, natomiast CD to raczej zadanie administratora. W rzeczywistości są to kolejne, następujące po sobie zautomatyzowane etapy procesu tworzenia oprogramowania, który obejmuje nie tylko samo kodowanie, ale także przeniesienie aplikacji do środowiska testowego czy dostarczenie działającej aplikacji klientowi.</a:t>
+            </a:r>
+            <a:endParaRPr lang="pl-PL" sz="1000" dirty="0" smtClean="0"/>
+          </a:p>
+          <a:p>
+            <a:pPr marL="0" indent="0">
+              <a:buNone/>
+            </a:pPr>
+            <a:endParaRPr lang="pl-PL" sz="1000" dirty="0" smtClean="0"/>
+          </a:p>
+          <a:p>
+            <a:pPr marL="0" indent="0">
+              <a:buNone/>
+              <a:tabLst>
+                <a:tab pos="1522413" algn="l"/>
+              </a:tabLst>
+            </a:pPr>
+            <a:r>
+              <a:rPr lang="pl-PL" sz="1000" b="1" dirty="0" err="1"/>
+              <a:t>Continuous</a:t>
+            </a:r>
+            <a:r>
+              <a:rPr lang="pl-PL" sz="1000" b="1" dirty="0"/>
+              <a:t> </a:t>
+            </a:r>
+            <a:r>
+              <a:rPr lang="pl-PL" sz="1000" b="1" dirty="0" err="1" smtClean="0"/>
               <a:t>integration</a:t>
             </a:r>
             <a:r>
-              <a:rPr lang="pl-PL" sz="2500" dirty="0"/>
-              <a:t> </a:t>
-            </a:r>
-          </a:p>
-        </p:txBody>
-      </p:sp>
-      <p:sp>
-        <p:nvSpPr>
-          <p:cNvPr id="3" name="Symbol zastępczy zawartości 2"/>
-          <p:cNvSpPr>
-            <a:spLocks noGrp="1"/>
-          </p:cNvSpPr>
-          <p:nvPr>
-            <p:ph idx="1"/>
-          </p:nvPr>
-        </p:nvSpPr>
-        <p:spPr/>
-        <p:txBody>
-          <a:bodyPr>
-            <a:noAutofit/>
-          </a:bodyPr>
-          <a:lstStyle/>
+              <a:rPr lang="pl-PL" sz="1000" dirty="0" smtClean="0"/>
+              <a:t> - ciągła </a:t>
+            </a:r>
+            <a:r>
+              <a:rPr lang="pl-PL" sz="1000" dirty="0"/>
+              <a:t>integracja to nieustanne, automatyczne buildowanie programu na dedykowanym serwerze po każdym 	</a:t>
+            </a:r>
+            <a:r>
+              <a:rPr lang="pl-PL" sz="1000" dirty="0" smtClean="0"/>
+              <a:t>commicie</a:t>
+            </a:r>
+            <a:r>
+              <a:rPr lang="pl-PL" sz="1000" dirty="0"/>
+              <a:t>. </a:t>
+            </a:r>
+            <a:endParaRPr lang="pl-PL" sz="1000" dirty="0" smtClean="0"/>
+          </a:p>
           <a:p>
             <a:pPr marL="0" indent="0">
               <a:buNone/>
+              <a:tabLst>
+                <a:tab pos="1522413" algn="l"/>
+              </a:tabLst>
             </a:pPr>
-            <a:r>
-              <a:rPr lang="pl-PL" sz="1400" dirty="0" smtClean="0"/>
-              <a:t>Cały </a:t>
-            </a:r>
-            <a:r>
-              <a:rPr lang="pl-PL" sz="1400" dirty="0"/>
-              <a:t>proces integracji można podzielić na trzy główne fazy</a:t>
-            </a:r>
-            <a:r>
-              <a:rPr lang="pl-PL" sz="1400" dirty="0" smtClean="0"/>
-              <a:t>.</a:t>
-            </a:r>
-          </a:p>
-          <a:p>
-            <a:r>
-              <a:rPr lang="pl-PL" sz="1600" b="1" dirty="0" err="1" smtClean="0"/>
-              <a:t>Push</a:t>
-            </a:r>
-            <a:r>
-              <a:rPr lang="pl-PL" sz="1600" dirty="0" smtClean="0"/>
-              <a:t> </a:t>
-            </a:r>
-            <a:r>
-              <a:rPr lang="pl-PL" sz="1400" dirty="0" smtClean="0"/>
-              <a:t>– wprowadzone </a:t>
-            </a:r>
-            <a:r>
-              <a:rPr lang="pl-PL" sz="1400" dirty="0"/>
-              <a:t>zmiany są wysyłane na serwer. </a:t>
-            </a:r>
-            <a:endParaRPr lang="pl-PL" sz="1400" dirty="0" smtClean="0"/>
-          </a:p>
-          <a:p>
-            <a:r>
-              <a:rPr lang="pl-PL" sz="1600" b="1" dirty="0"/>
-              <a:t>Test</a:t>
-            </a:r>
-            <a:r>
-              <a:rPr lang="pl-PL" sz="1400" dirty="0" smtClean="0"/>
-              <a:t> – ułatwia </a:t>
-            </a:r>
-            <a:r>
-              <a:rPr lang="pl-PL" sz="1400" dirty="0"/>
-              <a:t>on lokalizację </a:t>
-            </a:r>
-            <a:r>
-              <a:rPr lang="pl-PL" sz="1400" dirty="0" smtClean="0"/>
-              <a:t>błędów.</a:t>
-            </a:r>
-          </a:p>
-          <a:p>
-            <a:r>
-              <a:rPr lang="pl-PL" sz="1600" b="1" dirty="0" err="1"/>
-              <a:t>Fix</a:t>
-            </a:r>
-            <a:r>
-              <a:rPr lang="pl-PL" sz="1400" dirty="0" smtClean="0"/>
-              <a:t> </a:t>
-            </a:r>
-            <a:r>
-              <a:rPr lang="pl-PL" sz="1400" dirty="0"/>
-              <a:t>– </a:t>
-            </a:r>
-            <a:r>
-              <a:rPr lang="pl-PL" sz="1400" dirty="0" smtClean="0"/>
-              <a:t>naprawa </a:t>
-            </a:r>
-            <a:r>
-              <a:rPr lang="pl-PL" sz="1400" dirty="0"/>
-              <a:t>wykrytych problemów i uszkodzonych funkcji.</a:t>
+            <a:endParaRPr lang="pl-PL" sz="1000" dirty="0" smtClean="0"/>
+          </a:p>
+          <a:p>
+            <a:pPr marL="0" indent="0">
+              <a:buNone/>
+              <a:tabLst>
+                <a:tab pos="1522413" algn="l"/>
+              </a:tabLst>
+            </a:pPr>
+            <a:r>
+              <a:rPr lang="pl-PL" sz="1000" b="1" dirty="0" err="1"/>
+              <a:t>Continuous</a:t>
+            </a:r>
+            <a:r>
+              <a:rPr lang="pl-PL" sz="1000" b="1" dirty="0"/>
+              <a:t> Delivery</a:t>
+            </a:r>
+            <a:r>
+              <a:rPr lang="pl-PL" sz="1000" dirty="0"/>
+              <a:t>  - ciągłe dostarczanie polega na automatycznym dostarczaniu działającej wersji programu do ostatniego środowiska </a:t>
+            </a:r>
+            <a:r>
+              <a:rPr lang="pl-PL" sz="1000" dirty="0" smtClean="0"/>
+              <a:t>	przed </a:t>
+            </a:r>
+            <a:r>
+              <a:rPr lang="pl-PL" sz="1000" dirty="0"/>
+              <a:t>produkcją.</a:t>
             </a:r>
           </a:p>
         </p:txBody>
@@ -5934,7 +7116,7 @@
     </p:spTree>
     <p:extLst>
       <p:ext uri="{BB962C8B-B14F-4D97-AF65-F5344CB8AC3E}">
-        <p14:creationId xmlns:p14="http://schemas.microsoft.com/office/powerpoint/2010/main" val="905557083"/>
+        <p14:creationId xmlns:p14="http://schemas.microsoft.com/office/powerpoint/2010/main" val="80066642"/>
       </p:ext>
     </p:extLst>
   </p:cSld>
@@ -5984,14 +7166,26 @@
           <a:lstStyle/>
           <a:p>
             <a:r>
-              <a:rPr lang="pl-PL" sz="2400" b="1" dirty="0" err="1"/>
+              <a:rPr lang="pl-PL" sz="2500" b="1" dirty="0" err="1"/>
               <a:t>Continuous</a:t>
             </a:r>
             <a:r>
-              <a:rPr lang="pl-PL" sz="2400" b="1" dirty="0"/>
-              <a:t> Delivery</a:t>
-            </a:r>
-            <a:endParaRPr lang="pl-PL" sz="2500" b="1" dirty="0"/>
+              <a:rPr lang="pl-PL" sz="2500" b="1" dirty="0"/>
+              <a:t> </a:t>
+            </a:r>
+            <a:r>
+              <a:rPr lang="pl-PL" sz="2500" b="1" dirty="0"/>
+              <a:t>I</a:t>
+            </a:r>
+            <a:r>
+              <a:rPr lang="pl-PL" sz="2500" b="1" dirty="0" smtClean="0"/>
+              <a:t>ntegration</a:t>
+            </a:r>
+            <a:r>
+              <a:rPr lang="pl-PL" sz="2500" dirty="0" smtClean="0"/>
+              <a:t> </a:t>
+            </a:r>
+            <a:endParaRPr lang="pl-PL" sz="2500" dirty="0"/>
           </a:p>
         </p:txBody>
       </p:sp>
@@ -6012,13 +7206,16 @@
           </a:bodyPr>
           <a:lstStyle/>
           <a:p>
+            <a:pPr marL="0" indent="0">
+              <a:buNone/>
+            </a:pPr>
             <a:r>
               <a:rPr lang="pl-PL" sz="1400" dirty="0" smtClean="0"/>
-              <a:t>Jest </a:t>
+              <a:t>Cały </a:t>
             </a:r>
             <a:r>
               <a:rPr lang="pl-PL" sz="1400" dirty="0"/>
-              <a:t>kolejnym krokiem w automatyzacji procesu produkcji oprogramowania i następuje po pozytywnym przejściu fazy testów</a:t>
+              <a:t>proces integracji można podzielić na trzy główne fazy</a:t>
             </a:r>
             <a:r>
               <a:rPr lang="pl-PL" sz="1400" dirty="0" smtClean="0"/>
@@ -6027,55 +7224,61 @@
           </a:p>
           <a:p>
             <a:r>
+              <a:rPr lang="pl-PL" sz="1600" b="1" dirty="0" err="1" smtClean="0"/>
+              <a:t>Push</a:t>
+            </a:r>
+            <a:r>
+              <a:rPr lang="pl-PL" sz="1600" dirty="0" smtClean="0"/>
+              <a:t> </a:t>
+            </a:r>
+            <a:r>
               <a:rPr lang="pl-PL" sz="1400" dirty="0" smtClean="0"/>
-              <a:t>Polega </a:t>
+              <a:t>– wprowadzone </a:t>
             </a:r>
             <a:r>
               <a:rPr lang="pl-PL" sz="1400" dirty="0"/>
-              <a:t>na automatycznym dostarczaniu działającej wersji programu do ostatniego środowiska przed produkcją</a:t>
+              <a:t>zmiany są wysyłane na serwer. </a:t>
+            </a:r>
+            <a:endParaRPr lang="pl-PL" sz="1400" dirty="0" smtClean="0"/>
+          </a:p>
+          <a:p>
+            <a:r>
+              <a:rPr lang="pl-PL" sz="1600" b="1" dirty="0"/>
+              <a:t>Test</a:t>
             </a:r>
             <a:r>
               <a:rPr lang="pl-PL" sz="1400" dirty="0" smtClean="0"/>
-              <a:t>.</a:t>
-            </a:r>
-          </a:p>
-          <a:p>
+              <a:t> – ułatwia </a:t>
+            </a:r>
             <a:r>
               <a:rPr lang="pl-PL" sz="1400" dirty="0"/>
-              <a:t>Automatyczne dostarczenie wyzwalane jest po udanym </a:t>
-            </a:r>
-            <a:r>
-              <a:rPr lang="pl-PL" sz="1400" dirty="0" err="1"/>
-              <a:t>merge’u</a:t>
+              <a:t>on lokalizację </a:t>
+            </a:r>
+            <a:r>
+              <a:rPr lang="pl-PL" sz="1400" dirty="0" smtClean="0"/>
+              <a:t>błędów.</a:t>
+            </a:r>
+          </a:p>
+          <a:p>
+            <a:r>
+              <a:rPr lang="pl-PL" sz="1600" b="1" dirty="0" err="1"/>
+              <a:t>Fix</a:t>
+            </a:r>
+            <a:r>
+              <a:rPr lang="pl-PL" sz="1400" dirty="0" smtClean="0"/>
+              <a:t> </a:t>
             </a:r>
             <a:r>
               <a:rPr lang="pl-PL" sz="1400" dirty="0"/>
-              <a:t> gałęzi kodu</a:t>
+              <a:t>– </a:t>
             </a:r>
             <a:r>
               <a:rPr lang="pl-PL" sz="1400" dirty="0" smtClean="0"/>
-              <a:t>.</a:t>
-            </a:r>
-          </a:p>
-          <a:p>
+              <a:t>naprawa </a:t>
+            </a:r>
             <a:r>
               <a:rPr lang="pl-PL" sz="1400" dirty="0"/>
-              <a:t>Mówiąc o działającej wersji aplikacji mamy oczywiście na myśli aplikację, która jest w stanie się zbudować, ale niekoniecznie posiada wszystkie wymagane funkcjonalności, a jej działanie nie musi być do końca prawidłowe. </a:t>
-            </a:r>
-            <a:endParaRPr lang="pl-PL" sz="1400" dirty="0" smtClean="0"/>
-          </a:p>
-          <a:p>
-            <a:r>
-              <a:rPr lang="pl-PL" sz="1400" dirty="0"/>
-              <a:t>Ciągłe dostarczanie to etap procesu wytwarzania oprogramowania, który poprzedza </a:t>
-            </a:r>
-            <a:r>
-              <a:rPr lang="pl-PL" sz="1400" dirty="0" err="1"/>
-              <a:t>Continous</a:t>
-            </a:r>
-            <a:r>
-              <a:rPr lang="pl-PL" sz="1400" dirty="0"/>
-              <a:t> Deployment, czyli ciągłe wdrażanie na produkcję. Do produkcji powinny trafiać tylko w pełni funkcjonujące wersje aplikacji, stąd konieczność sprawdzenia jej na wcześniejszych etapach.</a:t>
+              <a:t>wykrytych problemów i uszkodzonych funkcji.</a:t>
             </a:r>
           </a:p>
         </p:txBody>
@@ -6083,7 +7286,7 @@
     </p:spTree>
     <p:extLst>
       <p:ext uri="{BB962C8B-B14F-4D97-AF65-F5344CB8AC3E}">
-        <p14:creationId xmlns:p14="http://schemas.microsoft.com/office/powerpoint/2010/main" val="800272187"/>
+        <p14:creationId xmlns:p14="http://schemas.microsoft.com/office/powerpoint/2010/main" val="905557083"/>
       </p:ext>
     </p:extLst>
   </p:cSld>
@@ -6133,74 +7336,112 @@
           <a:lstStyle/>
           <a:p>
             <a:r>
-              <a:rPr lang="pl-PL" sz="2500" b="1" dirty="0" err="1"/>
+              <a:rPr lang="pl-PL" sz="2400" b="1" dirty="0" err="1"/>
+              <a:t>Continuous</a:t>
+            </a:r>
+            <a:r>
+              <a:rPr lang="pl-PL" sz="2400" b="1" dirty="0"/>
+              <a:t> Delivery</a:t>
+            </a:r>
+            <a:endParaRPr lang="pl-PL" sz="2500" b="1" dirty="0"/>
+          </a:p>
+        </p:txBody>
+      </p:sp>
+      <p:sp>
+        <p:nvSpPr>
+          <p:cNvPr id="3" name="Symbol zastępczy zawartości 2"/>
+          <p:cNvSpPr>
+            <a:spLocks noGrp="1"/>
+          </p:cNvSpPr>
+          <p:nvPr>
+            <p:ph idx="1"/>
+          </p:nvPr>
+        </p:nvSpPr>
+        <p:spPr/>
+        <p:txBody>
+          <a:bodyPr>
+            <a:noAutofit/>
+          </a:bodyPr>
+          <a:lstStyle/>
+          <a:p>
+            <a:r>
+              <a:rPr lang="pl-PL" sz="1400" dirty="0" smtClean="0"/>
+              <a:t>Jest </a:t>
+            </a:r>
+            <a:r>
+              <a:rPr lang="pl-PL" sz="1400" dirty="0"/>
+              <a:t>kolejnym krokiem w automatyzacji procesu produkcji oprogramowania i następuje po pozytywnym przejściu fazy testów</a:t>
+            </a:r>
+            <a:r>
+              <a:rPr lang="pl-PL" sz="1400" dirty="0" smtClean="0"/>
+              <a:t>.</a:t>
+            </a:r>
+          </a:p>
+          <a:p>
+            <a:r>
+              <a:rPr lang="pl-PL" sz="1400" dirty="0" smtClean="0"/>
+              <a:t>Polega </a:t>
+            </a:r>
+            <a:r>
+              <a:rPr lang="pl-PL" sz="1400" dirty="0"/>
+              <a:t>na automatycznym dostarczaniu działającej wersji programu do ostatniego środowiska przed produkcją</a:t>
+            </a:r>
+            <a:r>
+              <a:rPr lang="pl-PL" sz="1400" dirty="0" smtClean="0"/>
+              <a:t>.</a:t>
+            </a:r>
+          </a:p>
+          <a:p>
+            <a:r>
+              <a:rPr lang="pl-PL" sz="1400" dirty="0"/>
+              <a:t>Automatyczne dostarczenie wyzwalane jest po udanym </a:t>
+            </a:r>
+            <a:r>
+              <a:rPr lang="pl-PL" sz="1400" dirty="0" err="1"/>
+              <a:t>merge’u</a:t>
+            </a:r>
+            <a:r>
+              <a:rPr lang="pl-PL" sz="1400" dirty="0"/>
+              <a:t> gałęzi kodu</a:t>
+            </a:r>
+            <a:r>
+              <a:rPr lang="pl-PL" sz="1400" dirty="0" smtClean="0"/>
+              <a:t>.</a:t>
+            </a:r>
+          </a:p>
+          <a:p>
+            <a:r>
+              <a:rPr lang="pl-PL" sz="1400" dirty="0"/>
+              <a:t>Mówiąc o działającej wersji aplikacji mamy oczywiście na myśli aplikację, która jest w stanie się zbudować, ale niekoniecznie posiada wszystkie wymagane funkcjonalności, a jej działanie nie musi być do końca prawidłowe. </a:t>
+            </a:r>
+            <a:endParaRPr lang="pl-PL" sz="1400" dirty="0" smtClean="0"/>
+          </a:p>
+          <a:p>
+            <a:r>
+              <a:rPr lang="pl-PL" sz="1400" dirty="0"/>
+              <a:t>Ciągłe dostarczanie to etap procesu wytwarzania oprogramowania, który poprzedza </a:t>
+            </a:r>
+            <a:r>
+              <a:rPr lang="pl-PL" sz="1400" dirty="0" err="1"/>
               <a:t>Continous</a:t>
             </a:r>
             <a:r>
-              <a:rPr lang="pl-PL" sz="2500" b="1" dirty="0"/>
-              <a:t> Deployment</a:t>
-            </a:r>
-          </a:p>
-        </p:txBody>
-      </p:sp>
-      <p:pic>
-        <p:nvPicPr>
-          <p:cNvPr id="1026" name="Picture 2" descr="Continuous deployment"/>
-          <p:cNvPicPr>
-            <a:picLocks noChangeAspect="1" noChangeArrowheads="1"/>
-          </p:cNvPicPr>
-          <p:nvPr/>
-        </p:nvPicPr>
-        <p:blipFill>
-          <a:blip r:embed="rId2">
-            <a:extLst>
-              <a:ext uri="{28A0092B-C50C-407E-A947-70E740481C1C}">
-                <a14:useLocalDpi xmlns:a14="http://schemas.microsoft.com/office/drawing/2010/main" val="0"/>
-              </a:ext>
-            </a:extLst>
-          </a:blip>
-          <a:srcRect/>
-          <a:stretch>
-            <a:fillRect/>
-          </a:stretch>
-        </p:blipFill>
-        <p:spPr bwMode="auto">
-          <a:xfrm>
-            <a:off x="1378701" y="1347614"/>
-            <a:ext cx="6386598" cy="3168352"/>
-          </a:xfrm>
-          <a:prstGeom prst="rect">
-            <a:avLst/>
-          </a:prstGeom>
-          <a:noFill/>
-          <a:extLst>
-            <a:ext uri="{909E8E84-426E-40DD-AFC4-6F175D3DCCD1}">
-              <a14:hiddenFill xmlns:a14="http://schemas.microsoft.com/office/drawing/2010/main">
-                <a:solidFill>
-                  <a:srgbClr val="FFFFFF"/>
-                </a:solidFill>
-              </a14:hiddenFill>
-            </a:ext>
-          </a:extLst>
-        </p:spPr>
-      </p:pic>
+              <a:rPr lang="pl-PL" sz="1400" dirty="0"/>
+              <a:t> Deployment, czyli ciągłe wdrażanie na produkcję. Do produkcji powinny trafiać tylko w pełni funkcjonujące wersje aplikacji, stąd konieczność sprawdzenia jej na wcześniejszych etapach.</a:t>
+            </a:r>
+          </a:p>
+        </p:txBody>
+      </p:sp>
     </p:spTree>
     <p:extLst>
       <p:ext uri="{BB962C8B-B14F-4D97-AF65-F5344CB8AC3E}">
-        <p14:creationId xmlns:p14="http://schemas.microsoft.com/office/powerpoint/2010/main" val="4207616397"/>
+        <p14:creationId xmlns:p14="http://schemas.microsoft.com/office/powerpoint/2010/main" val="800272187"/>
       </p:ext>
     </p:extLst>
   </p:cSld>
   <p:clrMapOvr>
     <a:masterClrMapping/>
   </p:clrMapOvr>
-  <p:timing>
-    <p:tnLst>
-      <p:par>
-        <p:cTn id="1" dur="indefinite" restart="never" nodeType="tmRoot"/>
-      </p:par>
-    </p:tnLst>
-  </p:timing>
 </p:sld>
 </file>
 
